--- a/파이썬 2.pptx
+++ b/파이썬 2.pptx
@@ -153,6 +153,22 @@
       </a:defRPr>
     </a:lvl9pPr>
   </p:defaultTextStyle>
+  <p:extLst>
+    <p:ext uri="{EFAFB233-063F-42B5-8137-9DF3F51BA10A}">
+      <p15:sldGuideLst xmlns:p15="http://schemas.microsoft.com/office/powerpoint/2012/main">
+        <p15:guide id="1" orient="horz" pos="2160">
+          <p15:clr>
+            <a:srgbClr val="A4A3A4"/>
+          </p15:clr>
+        </p15:guide>
+        <p15:guide id="2" pos="2880">
+          <p15:clr>
+            <a:srgbClr val="A4A3A4"/>
+          </p15:clr>
+        </p15:guide>
+      </p15:sldGuideLst>
+    </p:ext>
+  </p:extLst>
 </p:presentation>
 </file>
 
@@ -238,7 +254,7 @@
           <a:p>
             <a:fld id="{26E2ECC0-5849-4A59-942D-C761FDE0359C}" type="datetimeFigureOut">
               <a:rPr lang="ko-KR" altLang="en-US" smtClean="0"/>
-              <a:t>2023-03-01</a:t>
+              <a:t>2023-06-01</a:t>
             </a:fld>
             <a:endParaRPr lang="ko-KR" altLang="en-US"/>
           </a:p>
@@ -302,38 +318,37 @@
           <a:p>
             <a:pPr lvl="0"/>
             <a:r>
-              <a:rPr lang="ko-KR" altLang="en-US" smtClean="0"/>
+              <a:rPr lang="ko-KR" altLang="en-US"/>
               <a:t>마스터 텍스트 스타일을 편집합니다</a:t>
             </a:r>
           </a:p>
           <a:p>
             <a:pPr lvl="1"/>
             <a:r>
-              <a:rPr lang="ko-KR" altLang="en-US" smtClean="0"/>
+              <a:rPr lang="ko-KR" altLang="en-US"/>
               <a:t>둘째 수준</a:t>
             </a:r>
           </a:p>
           <a:p>
             <a:pPr lvl="2"/>
             <a:r>
-              <a:rPr lang="ko-KR" altLang="en-US" smtClean="0"/>
+              <a:rPr lang="ko-KR" altLang="en-US"/>
               <a:t>셋째 수준</a:t>
             </a:r>
           </a:p>
           <a:p>
             <a:pPr lvl="3"/>
             <a:r>
-              <a:rPr lang="ko-KR" altLang="en-US" smtClean="0"/>
+              <a:rPr lang="ko-KR" altLang="en-US"/>
               <a:t>넷째 수준</a:t>
             </a:r>
           </a:p>
           <a:p>
             <a:pPr lvl="4"/>
             <a:r>
-              <a:rPr lang="ko-KR" altLang="en-US" smtClean="0"/>
+              <a:rPr lang="ko-KR" altLang="en-US"/>
               <a:t>다섯째 수준</a:t>
             </a:r>
-            <a:endParaRPr lang="ko-KR" altLang="en-US"/>
           </a:p>
         </p:txBody>
       </p:sp>
@@ -551,10 +566,9 @@
           <a:lstStyle/>
           <a:p>
             <a:r>
-              <a:rPr lang="ko-KR" altLang="en-US" dirty="0" smtClean="0"/>
+              <a:rPr lang="ko-KR" altLang="en-US" dirty="0"/>
               <a:t>문제의 순서도를 먼저 그리고 프로그래밍</a:t>
             </a:r>
-            <a:endParaRPr lang="ko-KR" altLang="en-US" dirty="0"/>
           </a:p>
         </p:txBody>
       </p:sp>
@@ -616,11 +630,11 @@
           <a:lstStyle/>
           <a:p>
             <a:r>
-              <a:rPr lang="en-US" altLang="ko-KR" dirty="0" err="1" smtClean="0"/>
+              <a:rPr lang="en-US" altLang="ko-KR" dirty="0" err="1"/>
               <a:t>eval</a:t>
             </a:r>
             <a:r>
-              <a:rPr lang="en-US" altLang="ko-KR" dirty="0" smtClean="0"/>
+              <a:rPr lang="en-US" altLang="ko-KR" dirty="0"/>
               <a:t>('expr')</a:t>
             </a:r>
             <a:endParaRPr lang="ko-KR" altLang="en-US" dirty="0"/>
@@ -685,10 +699,9 @@
           <a:lstStyle/>
           <a:p>
             <a:r>
-              <a:rPr lang="ko-KR" altLang="en-US" dirty="0" smtClean="0"/>
+              <a:rPr lang="ko-KR" altLang="en-US" dirty="0"/>
               <a:t>복잡하면 먼저 순서도를 그리고 프로그래밍</a:t>
             </a:r>
-            <a:endParaRPr lang="ko-KR" altLang="en-US" dirty="0"/>
           </a:p>
         </p:txBody>
       </p:sp>
@@ -743,10 +756,9 @@
           <a:lstStyle/>
           <a:p>
             <a:r>
-              <a:rPr lang="ko-KR" altLang="en-US" smtClean="0"/>
+              <a:rPr lang="ko-KR" altLang="en-US"/>
               <a:t>마스터 제목 스타일 편집</a:t>
             </a:r>
-            <a:endParaRPr lang="ko-KR" altLang="en-US"/>
           </a:p>
         </p:txBody>
       </p:sp>
@@ -862,10 +874,9 @@
           </a:lstStyle>
           <a:p>
             <a:r>
-              <a:rPr lang="ko-KR" altLang="en-US" smtClean="0"/>
+              <a:rPr lang="ko-KR" altLang="en-US"/>
               <a:t>마스터 부제목 스타일 편집</a:t>
             </a:r>
-            <a:endParaRPr lang="ko-KR" altLang="en-US"/>
           </a:p>
         </p:txBody>
       </p:sp>
@@ -886,7 +897,7 @@
           <a:p>
             <a:fld id="{4C5E94B8-1199-48B0-8149-7F350A6B999E}" type="datetimeFigureOut">
               <a:rPr lang="ko-KR" altLang="en-US" smtClean="0"/>
-              <a:t>2023-03-01</a:t>
+              <a:t>2023-06-01</a:t>
             </a:fld>
             <a:endParaRPr lang="ko-KR" altLang="en-US"/>
           </a:p>
@@ -980,10 +991,9 @@
           <a:lstStyle/>
           <a:p>
             <a:r>
-              <a:rPr lang="ko-KR" altLang="en-US" smtClean="0"/>
+              <a:rPr lang="ko-KR" altLang="en-US"/>
               <a:t>마스터 제목 스타일 편집</a:t>
             </a:r>
-            <a:endParaRPr lang="ko-KR" altLang="en-US"/>
           </a:p>
         </p:txBody>
       </p:sp>
@@ -1004,38 +1014,37 @@
           <a:p>
             <a:pPr lvl="0"/>
             <a:r>
-              <a:rPr lang="ko-KR" altLang="en-US" smtClean="0"/>
+              <a:rPr lang="ko-KR" altLang="en-US"/>
               <a:t>마스터 텍스트 스타일을 편집합니다</a:t>
             </a:r>
           </a:p>
           <a:p>
             <a:pPr lvl="1"/>
             <a:r>
-              <a:rPr lang="ko-KR" altLang="en-US" smtClean="0"/>
+              <a:rPr lang="ko-KR" altLang="en-US"/>
               <a:t>둘째 수준</a:t>
             </a:r>
           </a:p>
           <a:p>
             <a:pPr lvl="2"/>
             <a:r>
-              <a:rPr lang="ko-KR" altLang="en-US" smtClean="0"/>
+              <a:rPr lang="ko-KR" altLang="en-US"/>
               <a:t>셋째 수준</a:t>
             </a:r>
           </a:p>
           <a:p>
             <a:pPr lvl="3"/>
             <a:r>
-              <a:rPr lang="ko-KR" altLang="en-US" smtClean="0"/>
+              <a:rPr lang="ko-KR" altLang="en-US"/>
               <a:t>넷째 수준</a:t>
             </a:r>
           </a:p>
           <a:p>
             <a:pPr lvl="4"/>
             <a:r>
-              <a:rPr lang="ko-KR" altLang="en-US" smtClean="0"/>
+              <a:rPr lang="ko-KR" altLang="en-US"/>
               <a:t>다섯째 수준</a:t>
             </a:r>
-            <a:endParaRPr lang="ko-KR" altLang="en-US"/>
           </a:p>
         </p:txBody>
       </p:sp>
@@ -1056,7 +1065,7 @@
           <a:p>
             <a:fld id="{4C5E94B8-1199-48B0-8149-7F350A6B999E}" type="datetimeFigureOut">
               <a:rPr lang="ko-KR" altLang="en-US" smtClean="0"/>
-              <a:t>2023-03-01</a:t>
+              <a:t>2023-06-01</a:t>
             </a:fld>
             <a:endParaRPr lang="ko-KR" altLang="en-US"/>
           </a:p>
@@ -1155,10 +1164,9 @@
           <a:lstStyle/>
           <a:p>
             <a:r>
-              <a:rPr lang="ko-KR" altLang="en-US" smtClean="0"/>
+              <a:rPr lang="ko-KR" altLang="en-US"/>
               <a:t>마스터 제목 스타일 편집</a:t>
             </a:r>
-            <a:endParaRPr lang="ko-KR" altLang="en-US"/>
           </a:p>
         </p:txBody>
       </p:sp>
@@ -1184,38 +1192,37 @@
           <a:p>
             <a:pPr lvl="0"/>
             <a:r>
-              <a:rPr lang="ko-KR" altLang="en-US" smtClean="0"/>
+              <a:rPr lang="ko-KR" altLang="en-US"/>
               <a:t>마스터 텍스트 스타일을 편집합니다</a:t>
             </a:r>
           </a:p>
           <a:p>
             <a:pPr lvl="1"/>
             <a:r>
-              <a:rPr lang="ko-KR" altLang="en-US" smtClean="0"/>
+              <a:rPr lang="ko-KR" altLang="en-US"/>
               <a:t>둘째 수준</a:t>
             </a:r>
           </a:p>
           <a:p>
             <a:pPr lvl="2"/>
             <a:r>
-              <a:rPr lang="ko-KR" altLang="en-US" smtClean="0"/>
+              <a:rPr lang="ko-KR" altLang="en-US"/>
               <a:t>셋째 수준</a:t>
             </a:r>
           </a:p>
           <a:p>
             <a:pPr lvl="3"/>
             <a:r>
-              <a:rPr lang="ko-KR" altLang="en-US" smtClean="0"/>
+              <a:rPr lang="ko-KR" altLang="en-US"/>
               <a:t>넷째 수준</a:t>
             </a:r>
           </a:p>
           <a:p>
             <a:pPr lvl="4"/>
             <a:r>
-              <a:rPr lang="ko-KR" altLang="en-US" smtClean="0"/>
+              <a:rPr lang="ko-KR" altLang="en-US"/>
               <a:t>다섯째 수준</a:t>
             </a:r>
-            <a:endParaRPr lang="ko-KR" altLang="en-US"/>
           </a:p>
         </p:txBody>
       </p:sp>
@@ -1236,7 +1243,7 @@
           <a:p>
             <a:fld id="{4C5E94B8-1199-48B0-8149-7F350A6B999E}" type="datetimeFigureOut">
               <a:rPr lang="ko-KR" altLang="en-US" smtClean="0"/>
-              <a:t>2023-03-01</a:t>
+              <a:t>2023-06-01</a:t>
             </a:fld>
             <a:endParaRPr lang="ko-KR" altLang="en-US"/>
           </a:p>
@@ -1319,7 +1326,7 @@
           <p:cNvPr id="2" name="제목 1">
             <a:extLst>
               <a:ext uri="{FF2B5EF4-FFF2-40B4-BE49-F238E27FC236}">
-                <a16:creationId xmlns:a16="http://schemas.microsoft.com/office/drawing/2014/main" xmlns="" id="{192274EB-EC14-48D4-B403-82D7B4F86FE7}"/>
+                <a16:creationId xmlns:a16="http://schemas.microsoft.com/office/drawing/2014/main" id="{192274EB-EC14-48D4-B403-82D7B4F86FE7}"/>
               </a:ext>
             </a:extLst>
           </p:cNvPr>
@@ -1355,7 +1362,7 @@
           <p:cNvPr id="4" name="날짜 개체 틀 3">
             <a:extLst>
               <a:ext uri="{FF2B5EF4-FFF2-40B4-BE49-F238E27FC236}">
-                <a16:creationId xmlns:a16="http://schemas.microsoft.com/office/drawing/2014/main" xmlns="" id="{59635E7B-EC78-42C5-91E2-5B94E66EEDA0}"/>
+                <a16:creationId xmlns:a16="http://schemas.microsoft.com/office/drawing/2014/main" id="{59635E7B-EC78-42C5-91E2-5B94E66EEDA0}"/>
               </a:ext>
             </a:extLst>
           </p:cNvPr>
@@ -1373,7 +1380,7 @@
           <a:p>
             <a:fld id="{1961B9F4-9423-4495-B011-CDBCE471B9EA}" type="datetimeFigureOut">
               <a:rPr lang="ko-KR" altLang="en-US" smtClean="0"/>
-              <a:t>2023-03-01</a:t>
+              <a:t>2023-06-01</a:t>
             </a:fld>
             <a:endParaRPr lang="ko-KR" altLang="en-US"/>
           </a:p>
@@ -1384,7 +1391,7 @@
           <p:cNvPr id="5" name="바닥글 개체 틀 4">
             <a:extLst>
               <a:ext uri="{FF2B5EF4-FFF2-40B4-BE49-F238E27FC236}">
-                <a16:creationId xmlns:a16="http://schemas.microsoft.com/office/drawing/2014/main" xmlns="" id="{DFA3E898-5AEB-4C22-8303-6DB0F9A26B9A}"/>
+                <a16:creationId xmlns:a16="http://schemas.microsoft.com/office/drawing/2014/main" id="{DFA3E898-5AEB-4C22-8303-6DB0F9A26B9A}"/>
               </a:ext>
             </a:extLst>
           </p:cNvPr>
@@ -1409,7 +1416,7 @@
           <p:cNvPr id="6" name="슬라이드 번호 개체 틀 5">
             <a:extLst>
               <a:ext uri="{FF2B5EF4-FFF2-40B4-BE49-F238E27FC236}">
-                <a16:creationId xmlns:a16="http://schemas.microsoft.com/office/drawing/2014/main" xmlns="" id="{C8FEE74B-B591-4700-9B37-9B6C3AD342A4}"/>
+                <a16:creationId xmlns:a16="http://schemas.microsoft.com/office/drawing/2014/main" id="{C8FEE74B-B591-4700-9B37-9B6C3AD342A4}"/>
               </a:ext>
             </a:extLst>
           </p:cNvPr>
@@ -1438,7 +1445,7 @@
           <p:cNvPr id="8" name="그림 7" descr="음식, 그리기이(가) 표시된 사진&#10;&#10;자동 생성된 설명">
             <a:extLst>
               <a:ext uri="{FF2B5EF4-FFF2-40B4-BE49-F238E27FC236}">
-                <a16:creationId xmlns:a16="http://schemas.microsoft.com/office/drawing/2014/main" xmlns="" id="{3E0A9214-92E7-4FCF-9846-5AA247585488}"/>
+                <a16:creationId xmlns:a16="http://schemas.microsoft.com/office/drawing/2014/main" id="{3E0A9214-92E7-4FCF-9846-5AA247585488}"/>
               </a:ext>
             </a:extLst>
           </p:cNvPr>
@@ -1585,21 +1592,21 @@
           <a:p>
             <a:pPr lvl="0"/>
             <a:r>
-              <a:rPr lang="ko-KR" altLang="en-US" noProof="0" dirty="0" smtClean="0"/>
+              <a:rPr lang="ko-KR" altLang="en-US" noProof="0" dirty="0"/>
               <a:t>마스터 텍스트 스타일을 편집합니다</a:t>
             </a:r>
           </a:p>
           <a:p>
             <a:pPr lvl="1"/>
             <a:r>
-              <a:rPr lang="ko-KR" altLang="en-US" noProof="0" dirty="0" smtClean="0"/>
+              <a:rPr lang="ko-KR" altLang="en-US" noProof="0" dirty="0"/>
               <a:t>둘째 수준</a:t>
             </a:r>
           </a:p>
           <a:p>
             <a:pPr lvl="2"/>
             <a:r>
-              <a:rPr lang="ko-KR" altLang="en-US" noProof="0" dirty="0" smtClean="0"/>
+              <a:rPr lang="ko-KR" altLang="en-US" noProof="0" dirty="0"/>
               <a:t>셋째 수준</a:t>
             </a:r>
           </a:p>
@@ -1621,10 +1628,9 @@
           <a:lstStyle/>
           <a:p>
             <a:r>
-              <a:rPr lang="ko-KR" altLang="en-US" smtClean="0"/>
+              <a:rPr lang="ko-KR" altLang="en-US"/>
               <a:t>마스터 제목 스타일 편집</a:t>
             </a:r>
-            <a:endParaRPr lang="ko-KR" altLang="en-US"/>
           </a:p>
         </p:txBody>
       </p:sp>
@@ -1679,10 +1685,9 @@
           <a:lstStyle/>
           <a:p>
             <a:r>
-              <a:rPr lang="ko-KR" altLang="en-US" smtClean="0"/>
+              <a:rPr lang="ko-KR" altLang="en-US"/>
               <a:t>마스터 제목 스타일 편집</a:t>
             </a:r>
-            <a:endParaRPr lang="ko-KR" altLang="en-US"/>
           </a:p>
         </p:txBody>
       </p:sp>
@@ -1708,38 +1713,37 @@
           <a:p>
             <a:pPr lvl="0"/>
             <a:r>
-              <a:rPr lang="ko-KR" altLang="en-US" smtClean="0"/>
+              <a:rPr lang="ko-KR" altLang="en-US"/>
               <a:t>마스터 텍스트 스타일을 편집합니다</a:t>
             </a:r>
           </a:p>
           <a:p>
             <a:pPr lvl="1"/>
             <a:r>
-              <a:rPr lang="ko-KR" altLang="en-US" smtClean="0"/>
+              <a:rPr lang="ko-KR" altLang="en-US"/>
               <a:t>둘째 수준</a:t>
             </a:r>
           </a:p>
           <a:p>
             <a:pPr lvl="2"/>
             <a:r>
-              <a:rPr lang="ko-KR" altLang="en-US" smtClean="0"/>
+              <a:rPr lang="ko-KR" altLang="en-US"/>
               <a:t>셋째 수준</a:t>
             </a:r>
           </a:p>
           <a:p>
             <a:pPr lvl="3"/>
             <a:r>
-              <a:rPr lang="ko-KR" altLang="en-US" smtClean="0"/>
+              <a:rPr lang="ko-KR" altLang="en-US"/>
               <a:t>넷째 수준</a:t>
             </a:r>
           </a:p>
           <a:p>
             <a:pPr lvl="4"/>
             <a:r>
-              <a:rPr lang="ko-KR" altLang="en-US" smtClean="0"/>
+              <a:rPr lang="ko-KR" altLang="en-US"/>
               <a:t>다섯째 수준</a:t>
             </a:r>
-            <a:endParaRPr lang="ko-KR" altLang="en-US"/>
           </a:p>
         </p:txBody>
       </p:sp>
@@ -1760,7 +1764,7 @@
           <a:p>
             <a:fld id="{4C5E94B8-1199-48B0-8149-7F350A6B999E}" type="datetimeFigureOut">
               <a:rPr lang="ko-KR" altLang="en-US" smtClean="0"/>
-              <a:t>2023-03-01</a:t>
+              <a:t>2023-06-01</a:t>
             </a:fld>
             <a:endParaRPr lang="ko-KR" altLang="en-US"/>
           </a:p>
@@ -1863,10 +1867,9 @@
           </a:lstStyle>
           <a:p>
             <a:r>
-              <a:rPr lang="ko-KR" altLang="en-US" smtClean="0"/>
+              <a:rPr lang="ko-KR" altLang="en-US"/>
               <a:t>마스터 제목 스타일 편집</a:t>
             </a:r>
-            <a:endParaRPr lang="ko-KR" altLang="en-US"/>
           </a:p>
         </p:txBody>
       </p:sp>
@@ -1983,7 +1986,7 @@
           <a:p>
             <a:pPr lvl="0"/>
             <a:r>
-              <a:rPr lang="ko-KR" altLang="en-US" smtClean="0"/>
+              <a:rPr lang="ko-KR" altLang="en-US"/>
               <a:t>마스터 텍스트 스타일을 편집합니다</a:t>
             </a:r>
           </a:p>
@@ -2006,7 +2009,7 @@
           <a:p>
             <a:fld id="{4C5E94B8-1199-48B0-8149-7F350A6B999E}" type="datetimeFigureOut">
               <a:rPr lang="ko-KR" altLang="en-US" smtClean="0"/>
-              <a:t>2023-03-01</a:t>
+              <a:t>2023-06-01</a:t>
             </a:fld>
             <a:endParaRPr lang="ko-KR" altLang="en-US"/>
           </a:p>
@@ -2100,10 +2103,9 @@
           <a:lstStyle/>
           <a:p>
             <a:r>
-              <a:rPr lang="ko-KR" altLang="en-US" smtClean="0"/>
+              <a:rPr lang="ko-KR" altLang="en-US"/>
               <a:t>마스터 제목 스타일 편집</a:t>
             </a:r>
-            <a:endParaRPr lang="ko-KR" altLang="en-US"/>
           </a:p>
         </p:txBody>
       </p:sp>
@@ -2157,38 +2159,37 @@
           <a:p>
             <a:pPr lvl="0"/>
             <a:r>
-              <a:rPr lang="ko-KR" altLang="en-US" smtClean="0"/>
+              <a:rPr lang="ko-KR" altLang="en-US"/>
               <a:t>마스터 텍스트 스타일을 편집합니다</a:t>
             </a:r>
           </a:p>
           <a:p>
             <a:pPr lvl="1"/>
             <a:r>
-              <a:rPr lang="ko-KR" altLang="en-US" smtClean="0"/>
+              <a:rPr lang="ko-KR" altLang="en-US"/>
               <a:t>둘째 수준</a:t>
             </a:r>
           </a:p>
           <a:p>
             <a:pPr lvl="2"/>
             <a:r>
-              <a:rPr lang="ko-KR" altLang="en-US" smtClean="0"/>
+              <a:rPr lang="ko-KR" altLang="en-US"/>
               <a:t>셋째 수준</a:t>
             </a:r>
           </a:p>
           <a:p>
             <a:pPr lvl="3"/>
             <a:r>
-              <a:rPr lang="ko-KR" altLang="en-US" smtClean="0"/>
+              <a:rPr lang="ko-KR" altLang="en-US"/>
               <a:t>넷째 수준</a:t>
             </a:r>
           </a:p>
           <a:p>
             <a:pPr lvl="4"/>
             <a:r>
-              <a:rPr lang="ko-KR" altLang="en-US" smtClean="0"/>
+              <a:rPr lang="ko-KR" altLang="en-US"/>
               <a:t>다섯째 수준</a:t>
             </a:r>
-            <a:endParaRPr lang="ko-KR" altLang="en-US"/>
           </a:p>
         </p:txBody>
       </p:sp>
@@ -2242,38 +2243,37 @@
           <a:p>
             <a:pPr lvl="0"/>
             <a:r>
-              <a:rPr lang="ko-KR" altLang="en-US" smtClean="0"/>
+              <a:rPr lang="ko-KR" altLang="en-US"/>
               <a:t>마스터 텍스트 스타일을 편집합니다</a:t>
             </a:r>
           </a:p>
           <a:p>
             <a:pPr lvl="1"/>
             <a:r>
-              <a:rPr lang="ko-KR" altLang="en-US" smtClean="0"/>
+              <a:rPr lang="ko-KR" altLang="en-US"/>
               <a:t>둘째 수준</a:t>
             </a:r>
           </a:p>
           <a:p>
             <a:pPr lvl="2"/>
             <a:r>
-              <a:rPr lang="ko-KR" altLang="en-US" smtClean="0"/>
+              <a:rPr lang="ko-KR" altLang="en-US"/>
               <a:t>셋째 수준</a:t>
             </a:r>
           </a:p>
           <a:p>
             <a:pPr lvl="3"/>
             <a:r>
-              <a:rPr lang="ko-KR" altLang="en-US" smtClean="0"/>
+              <a:rPr lang="ko-KR" altLang="en-US"/>
               <a:t>넷째 수준</a:t>
             </a:r>
           </a:p>
           <a:p>
             <a:pPr lvl="4"/>
             <a:r>
-              <a:rPr lang="ko-KR" altLang="en-US" smtClean="0"/>
+              <a:rPr lang="ko-KR" altLang="en-US"/>
               <a:t>다섯째 수준</a:t>
             </a:r>
-            <a:endParaRPr lang="ko-KR" altLang="en-US"/>
           </a:p>
         </p:txBody>
       </p:sp>
@@ -2294,7 +2294,7 @@
           <a:p>
             <a:fld id="{4C5E94B8-1199-48B0-8149-7F350A6B999E}" type="datetimeFigureOut">
               <a:rPr lang="ko-KR" altLang="en-US" smtClean="0"/>
-              <a:t>2023-03-01</a:t>
+              <a:t>2023-06-01</a:t>
             </a:fld>
             <a:endParaRPr lang="ko-KR" altLang="en-US"/>
           </a:p>
@@ -2392,10 +2392,9 @@
           </a:lstStyle>
           <a:p>
             <a:r>
-              <a:rPr lang="ko-KR" altLang="en-US" smtClean="0"/>
+              <a:rPr lang="ko-KR" altLang="en-US"/>
               <a:t>마스터 제목 스타일 편집</a:t>
             </a:r>
-            <a:endParaRPr lang="ko-KR" altLang="en-US"/>
           </a:p>
         </p:txBody>
       </p:sp>
@@ -2458,7 +2457,7 @@
           <a:p>
             <a:pPr lvl="0"/>
             <a:r>
-              <a:rPr lang="ko-KR" altLang="en-US" smtClean="0"/>
+              <a:rPr lang="ko-KR" altLang="en-US"/>
               <a:t>마스터 텍스트 스타일을 편집합니다</a:t>
             </a:r>
           </a:p>
@@ -2514,38 +2513,37 @@
           <a:p>
             <a:pPr lvl="0"/>
             <a:r>
-              <a:rPr lang="ko-KR" altLang="en-US" smtClean="0"/>
+              <a:rPr lang="ko-KR" altLang="en-US"/>
               <a:t>마스터 텍스트 스타일을 편집합니다</a:t>
             </a:r>
           </a:p>
           <a:p>
             <a:pPr lvl="1"/>
             <a:r>
-              <a:rPr lang="ko-KR" altLang="en-US" smtClean="0"/>
+              <a:rPr lang="ko-KR" altLang="en-US"/>
               <a:t>둘째 수준</a:t>
             </a:r>
           </a:p>
           <a:p>
             <a:pPr lvl="2"/>
             <a:r>
-              <a:rPr lang="ko-KR" altLang="en-US" smtClean="0"/>
+              <a:rPr lang="ko-KR" altLang="en-US"/>
               <a:t>셋째 수준</a:t>
             </a:r>
           </a:p>
           <a:p>
             <a:pPr lvl="3"/>
             <a:r>
-              <a:rPr lang="ko-KR" altLang="en-US" smtClean="0"/>
+              <a:rPr lang="ko-KR" altLang="en-US"/>
               <a:t>넷째 수준</a:t>
             </a:r>
           </a:p>
           <a:p>
             <a:pPr lvl="4"/>
             <a:r>
-              <a:rPr lang="ko-KR" altLang="en-US" smtClean="0"/>
+              <a:rPr lang="ko-KR" altLang="en-US"/>
               <a:t>다섯째 수준</a:t>
             </a:r>
-            <a:endParaRPr lang="ko-KR" altLang="en-US"/>
           </a:p>
         </p:txBody>
       </p:sp>
@@ -2608,7 +2606,7 @@
           <a:p>
             <a:pPr lvl="0"/>
             <a:r>
-              <a:rPr lang="ko-KR" altLang="en-US" smtClean="0"/>
+              <a:rPr lang="ko-KR" altLang="en-US"/>
               <a:t>마스터 텍스트 스타일을 편집합니다</a:t>
             </a:r>
           </a:p>
@@ -2664,38 +2662,37 @@
           <a:p>
             <a:pPr lvl="0"/>
             <a:r>
-              <a:rPr lang="ko-KR" altLang="en-US" smtClean="0"/>
+              <a:rPr lang="ko-KR" altLang="en-US"/>
               <a:t>마스터 텍스트 스타일을 편집합니다</a:t>
             </a:r>
           </a:p>
           <a:p>
             <a:pPr lvl="1"/>
             <a:r>
-              <a:rPr lang="ko-KR" altLang="en-US" smtClean="0"/>
+              <a:rPr lang="ko-KR" altLang="en-US"/>
               <a:t>둘째 수준</a:t>
             </a:r>
           </a:p>
           <a:p>
             <a:pPr lvl="2"/>
             <a:r>
-              <a:rPr lang="ko-KR" altLang="en-US" smtClean="0"/>
+              <a:rPr lang="ko-KR" altLang="en-US"/>
               <a:t>셋째 수준</a:t>
             </a:r>
           </a:p>
           <a:p>
             <a:pPr lvl="3"/>
             <a:r>
-              <a:rPr lang="ko-KR" altLang="en-US" smtClean="0"/>
+              <a:rPr lang="ko-KR" altLang="en-US"/>
               <a:t>넷째 수준</a:t>
             </a:r>
           </a:p>
           <a:p>
             <a:pPr lvl="4"/>
             <a:r>
-              <a:rPr lang="ko-KR" altLang="en-US" smtClean="0"/>
+              <a:rPr lang="ko-KR" altLang="en-US"/>
               <a:t>다섯째 수준</a:t>
             </a:r>
-            <a:endParaRPr lang="ko-KR" altLang="en-US"/>
           </a:p>
         </p:txBody>
       </p:sp>
@@ -2716,7 +2713,7 @@
           <a:p>
             <a:fld id="{4C5E94B8-1199-48B0-8149-7F350A6B999E}" type="datetimeFigureOut">
               <a:rPr lang="ko-KR" altLang="en-US" smtClean="0"/>
-              <a:t>2023-03-01</a:t>
+              <a:t>2023-06-01</a:t>
             </a:fld>
             <a:endParaRPr lang="ko-KR" altLang="en-US"/>
           </a:p>
@@ -2810,10 +2807,9 @@
           <a:lstStyle/>
           <a:p>
             <a:r>
-              <a:rPr lang="ko-KR" altLang="en-US" smtClean="0"/>
+              <a:rPr lang="ko-KR" altLang="en-US"/>
               <a:t>마스터 제목 스타일 편집</a:t>
             </a:r>
-            <a:endParaRPr lang="ko-KR" altLang="en-US"/>
           </a:p>
         </p:txBody>
       </p:sp>
@@ -2834,7 +2830,7 @@
           <a:p>
             <a:fld id="{4C5E94B8-1199-48B0-8149-7F350A6B999E}" type="datetimeFigureOut">
               <a:rPr lang="ko-KR" altLang="en-US" smtClean="0"/>
-              <a:t>2023-03-01</a:t>
+              <a:t>2023-06-01</a:t>
             </a:fld>
             <a:endParaRPr lang="ko-KR" altLang="en-US"/>
           </a:p>
@@ -2929,7 +2925,7 @@
           <a:p>
             <a:fld id="{4C5E94B8-1199-48B0-8149-7F350A6B999E}" type="datetimeFigureOut">
               <a:rPr lang="ko-KR" altLang="en-US" smtClean="0"/>
-              <a:t>2023-03-01</a:t>
+              <a:t>2023-06-01</a:t>
             </a:fld>
             <a:endParaRPr lang="ko-KR" altLang="en-US"/>
           </a:p>
@@ -3032,10 +3028,9 @@
           </a:lstStyle>
           <a:p>
             <a:r>
-              <a:rPr lang="ko-KR" altLang="en-US" smtClean="0"/>
+              <a:rPr lang="ko-KR" altLang="en-US"/>
               <a:t>마스터 제목 스타일 편집</a:t>
             </a:r>
-            <a:endParaRPr lang="ko-KR" altLang="en-US"/>
           </a:p>
         </p:txBody>
       </p:sp>
@@ -3089,38 +3084,37 @@
           <a:p>
             <a:pPr lvl="0"/>
             <a:r>
-              <a:rPr lang="ko-KR" altLang="en-US" smtClean="0"/>
+              <a:rPr lang="ko-KR" altLang="en-US"/>
               <a:t>마스터 텍스트 스타일을 편집합니다</a:t>
             </a:r>
           </a:p>
           <a:p>
             <a:pPr lvl="1"/>
             <a:r>
-              <a:rPr lang="ko-KR" altLang="en-US" smtClean="0"/>
+              <a:rPr lang="ko-KR" altLang="en-US"/>
               <a:t>둘째 수준</a:t>
             </a:r>
           </a:p>
           <a:p>
             <a:pPr lvl="2"/>
             <a:r>
-              <a:rPr lang="ko-KR" altLang="en-US" smtClean="0"/>
+              <a:rPr lang="ko-KR" altLang="en-US"/>
               <a:t>셋째 수준</a:t>
             </a:r>
           </a:p>
           <a:p>
             <a:pPr lvl="3"/>
             <a:r>
-              <a:rPr lang="ko-KR" altLang="en-US" smtClean="0"/>
+              <a:rPr lang="ko-KR" altLang="en-US"/>
               <a:t>넷째 수준</a:t>
             </a:r>
           </a:p>
           <a:p>
             <a:pPr lvl="4"/>
             <a:r>
-              <a:rPr lang="ko-KR" altLang="en-US" smtClean="0"/>
+              <a:rPr lang="ko-KR" altLang="en-US"/>
               <a:t>다섯째 수준</a:t>
             </a:r>
-            <a:endParaRPr lang="ko-KR" altLang="en-US"/>
           </a:p>
         </p:txBody>
       </p:sp>
@@ -3183,7 +3177,7 @@
           <a:p>
             <a:pPr lvl="0"/>
             <a:r>
-              <a:rPr lang="ko-KR" altLang="en-US" smtClean="0"/>
+              <a:rPr lang="ko-KR" altLang="en-US"/>
               <a:t>마스터 텍스트 스타일을 편집합니다</a:t>
             </a:r>
           </a:p>
@@ -3206,7 +3200,7 @@
           <a:p>
             <a:fld id="{4C5E94B8-1199-48B0-8149-7F350A6B999E}" type="datetimeFigureOut">
               <a:rPr lang="ko-KR" altLang="en-US" smtClean="0"/>
-              <a:t>2023-03-01</a:t>
+              <a:t>2023-06-01</a:t>
             </a:fld>
             <a:endParaRPr lang="ko-KR" altLang="en-US"/>
           </a:p>
@@ -3309,10 +3303,9 @@
           </a:lstStyle>
           <a:p>
             <a:r>
-              <a:rPr lang="ko-KR" altLang="en-US" smtClean="0"/>
+              <a:rPr lang="ko-KR" altLang="en-US"/>
               <a:t>마스터 제목 스타일 편집</a:t>
             </a:r>
-            <a:endParaRPr lang="ko-KR" altLang="en-US"/>
           </a:p>
         </p:txBody>
       </p:sp>
@@ -3436,7 +3429,7 @@
           <a:p>
             <a:pPr lvl="0"/>
             <a:r>
-              <a:rPr lang="ko-KR" altLang="en-US" smtClean="0"/>
+              <a:rPr lang="ko-KR" altLang="en-US"/>
               <a:t>마스터 텍스트 스타일을 편집합니다</a:t>
             </a:r>
           </a:p>
@@ -3459,7 +3452,7 @@
           <a:p>
             <a:fld id="{4C5E94B8-1199-48B0-8149-7F350A6B999E}" type="datetimeFigureOut">
               <a:rPr lang="ko-KR" altLang="en-US" smtClean="0"/>
-              <a:t>2023-03-01</a:t>
+              <a:t>2023-06-01</a:t>
             </a:fld>
             <a:endParaRPr lang="ko-KR" altLang="en-US"/>
           </a:p>
@@ -3568,10 +3561,9 @@
           <a:lstStyle/>
           <a:p>
             <a:r>
-              <a:rPr lang="ko-KR" altLang="en-US" smtClean="0"/>
+              <a:rPr lang="ko-KR" altLang="en-US"/>
               <a:t>마스터 제목 스타일 편집</a:t>
             </a:r>
-            <a:endParaRPr lang="ko-KR" altLang="en-US"/>
           </a:p>
         </p:txBody>
       </p:sp>
@@ -3602,38 +3594,37 @@
           <a:p>
             <a:pPr lvl="0"/>
             <a:r>
-              <a:rPr lang="ko-KR" altLang="en-US" smtClean="0"/>
+              <a:rPr lang="ko-KR" altLang="en-US"/>
               <a:t>마스터 텍스트 스타일을 편집합니다</a:t>
             </a:r>
           </a:p>
           <a:p>
             <a:pPr lvl="1"/>
             <a:r>
-              <a:rPr lang="ko-KR" altLang="en-US" smtClean="0"/>
+              <a:rPr lang="ko-KR" altLang="en-US"/>
               <a:t>둘째 수준</a:t>
             </a:r>
           </a:p>
           <a:p>
             <a:pPr lvl="2"/>
             <a:r>
-              <a:rPr lang="ko-KR" altLang="en-US" smtClean="0"/>
+              <a:rPr lang="ko-KR" altLang="en-US"/>
               <a:t>셋째 수준</a:t>
             </a:r>
           </a:p>
           <a:p>
             <a:pPr lvl="3"/>
             <a:r>
-              <a:rPr lang="ko-KR" altLang="en-US" smtClean="0"/>
+              <a:rPr lang="ko-KR" altLang="en-US"/>
               <a:t>넷째 수준</a:t>
             </a:r>
           </a:p>
           <a:p>
             <a:pPr lvl="4"/>
             <a:r>
-              <a:rPr lang="ko-KR" altLang="en-US" smtClean="0"/>
+              <a:rPr lang="ko-KR" altLang="en-US"/>
               <a:t>다섯째 수준</a:t>
             </a:r>
-            <a:endParaRPr lang="ko-KR" altLang="en-US"/>
           </a:p>
         </p:txBody>
       </p:sp>
@@ -3672,7 +3663,7 @@
           <a:p>
             <a:fld id="{4C5E94B8-1199-48B0-8149-7F350A6B999E}" type="datetimeFigureOut">
               <a:rPr lang="ko-KR" altLang="en-US" smtClean="0"/>
-              <a:t>2023-03-01</a:t>
+              <a:t>2023-06-01</a:t>
             </a:fld>
             <a:endParaRPr lang="ko-KR" altLang="en-US"/>
           </a:p>
@@ -4054,7 +4045,7 @@
           <p:cNvPr id="7" name="TextBox 6">
             <a:extLst>
               <a:ext uri="{FF2B5EF4-FFF2-40B4-BE49-F238E27FC236}">
-                <a16:creationId xmlns:a16="http://schemas.microsoft.com/office/drawing/2014/main" xmlns="" id="{854E4AE2-4A82-4D24-9CDE-6C9C75BB2C64}"/>
+                <a16:creationId xmlns:a16="http://schemas.microsoft.com/office/drawing/2014/main" id="{854E4AE2-4A82-4D24-9CDE-6C9C75BB2C64}"/>
               </a:ext>
             </a:extLst>
           </p:cNvPr>
@@ -4156,10 +4147,9 @@
           <a:lstStyle/>
           <a:p>
             <a:r>
-              <a:rPr lang="ko-KR" altLang="en-US" smtClean="0"/>
+              <a:rPr lang="ko-KR" altLang="en-US"/>
               <a:t>이태훈</a:t>
             </a:r>
-            <a:endParaRPr lang="ko-KR" altLang="en-US"/>
           </a:p>
         </p:txBody>
       </p:sp>
@@ -4262,11 +4252,7 @@
               <a:rPr lang="ko-KR" altLang="en-US" sz="1800" dirty="0"/>
               <a:t>중 값이 큰 변수를 출력하는 프로그램</a:t>
             </a:r>
-            <a:endParaRPr lang="en-US" altLang="ko-KR" sz="1800" dirty="0" smtClean="0"/>
-          </a:p>
-          <a:p>
-            <a:pPr lvl="1"/>
-            <a:endParaRPr lang="en-US" altLang="ko-KR" sz="1400" dirty="0" smtClean="0"/>
+            <a:endParaRPr lang="en-US" altLang="ko-KR" sz="1800" dirty="0"/>
           </a:p>
           <a:p>
             <a:pPr lvl="1"/>
@@ -4274,7 +4260,7 @@
           </a:p>
           <a:p>
             <a:pPr lvl="1"/>
-            <a:endParaRPr lang="en-US" altLang="ko-KR" sz="1400" dirty="0" smtClean="0"/>
+            <a:endParaRPr lang="en-US" altLang="ko-KR" sz="1400" dirty="0"/>
           </a:p>
           <a:p>
             <a:pPr lvl="1"/>
@@ -4282,22 +4268,26 @@
           </a:p>
           <a:p>
             <a:pPr lvl="1"/>
-            <a:endParaRPr lang="en-US" altLang="ko-KR" sz="1400" dirty="0" smtClean="0"/>
+            <a:endParaRPr lang="en-US" altLang="ko-KR" sz="1400" dirty="0"/>
           </a:p>
           <a:p>
             <a:pPr lvl="1"/>
-            <a:endParaRPr lang="en-US" altLang="ko-KR" sz="1400" dirty="0" smtClean="0"/>
+            <a:endParaRPr lang="en-US" altLang="ko-KR" sz="1400" dirty="0"/>
           </a:p>
           <a:p>
             <a:pPr lvl="1"/>
-            <a:endParaRPr lang="en-US" altLang="ko-KR" sz="1400" dirty="0" smtClean="0"/>
+            <a:endParaRPr lang="en-US" altLang="ko-KR" sz="1400" dirty="0"/>
+          </a:p>
+          <a:p>
+            <a:pPr lvl="1"/>
+            <a:endParaRPr lang="en-US" altLang="ko-KR" sz="1400" dirty="0"/>
           </a:p>
           <a:p>
             <a:r>
               <a:rPr lang="ko-KR" altLang="en-US" sz="1800" dirty="0"/>
               <a:t>세 개의 수 중 가장 작은 수를 출력하는 프로그램</a:t>
             </a:r>
-            <a:endParaRPr lang="en-US" altLang="ko-KR" sz="1800" dirty="0" smtClean="0"/>
+            <a:endParaRPr lang="en-US" altLang="ko-KR" sz="1800" dirty="0"/>
           </a:p>
           <a:p>
             <a:pPr lvl="1"/>
@@ -4530,11 +4520,7 @@
               <a:rPr lang="ko-KR" altLang="en-US" sz="1800" dirty="0"/>
               <a:t>인지 판별하는 프로그램</a:t>
             </a:r>
-            <a:endParaRPr lang="en-US" altLang="ko-KR" sz="1800" dirty="0" smtClean="0"/>
-          </a:p>
-          <a:p>
-            <a:pPr lvl="1"/>
-            <a:endParaRPr lang="en-US" altLang="ko-KR" sz="1400" dirty="0" smtClean="0"/>
+            <a:endParaRPr lang="en-US" altLang="ko-KR" sz="1800" dirty="0"/>
           </a:p>
           <a:p>
             <a:pPr lvl="1"/>
@@ -4542,7 +4528,7 @@
           </a:p>
           <a:p>
             <a:pPr lvl="1"/>
-            <a:endParaRPr lang="en-US" altLang="ko-KR" sz="1400" dirty="0" smtClean="0"/>
+            <a:endParaRPr lang="en-US" altLang="ko-KR" sz="1400" dirty="0"/>
           </a:p>
           <a:p>
             <a:pPr lvl="1"/>
@@ -4550,11 +4536,15 @@
           </a:p>
           <a:p>
             <a:pPr lvl="1"/>
-            <a:endParaRPr lang="en-US" altLang="ko-KR" sz="1400" dirty="0" smtClean="0"/>
+            <a:endParaRPr lang="en-US" altLang="ko-KR" sz="1400" dirty="0"/>
           </a:p>
           <a:p>
             <a:pPr lvl="1"/>
-            <a:endParaRPr lang="en-US" altLang="ko-KR" sz="1400" dirty="0" smtClean="0"/>
+            <a:endParaRPr lang="en-US" altLang="ko-KR" sz="1400" dirty="0"/>
+          </a:p>
+          <a:p>
+            <a:pPr lvl="1"/>
+            <a:endParaRPr lang="en-US" altLang="ko-KR" sz="1400" dirty="0"/>
           </a:p>
           <a:p>
             <a:r>
@@ -5159,18 +5149,17 @@
           <a:lstStyle/>
           <a:p>
             <a:r>
-              <a:rPr lang="ko-KR" altLang="en-US" dirty="0" smtClean="0"/>
+              <a:rPr lang="ko-KR" altLang="en-US" dirty="0"/>
               <a:t>중첩 </a:t>
             </a:r>
             <a:r>
-              <a:rPr lang="en-US" altLang="ko-KR" dirty="0" smtClean="0"/>
+              <a:rPr lang="en-US" altLang="ko-KR" dirty="0"/>
               <a:t>if </a:t>
             </a:r>
             <a:r>
-              <a:rPr lang="ko-KR" altLang="en-US" dirty="0" smtClean="0"/>
+              <a:rPr lang="ko-KR" altLang="en-US" dirty="0"/>
               <a:t>문</a:t>
             </a:r>
-            <a:endParaRPr lang="ko-KR" altLang="en-US" dirty="0"/>
           </a:p>
         </p:txBody>
       </p:sp>
@@ -5973,51 +5962,51 @@
           <a:lstStyle/>
           <a:p>
             <a:r>
-              <a:rPr lang="ko-KR" altLang="en-US" sz="2000" dirty="0" smtClean="0"/>
+              <a:rPr lang="ko-KR" altLang="en-US" sz="2000" dirty="0"/>
               <a:t>사용자로부터 </a:t>
             </a:r>
             <a:r>
-              <a:rPr lang="en-US" altLang="ko-KR" sz="2000" dirty="0" smtClean="0"/>
+              <a:rPr lang="en-US" altLang="ko-KR" sz="2000" dirty="0"/>
               <a:t>cm </a:t>
             </a:r>
             <a:r>
-              <a:rPr lang="ko-KR" altLang="en-US" sz="2000" dirty="0" smtClean="0"/>
+              <a:rPr lang="ko-KR" altLang="en-US" sz="2000" dirty="0"/>
               <a:t>단위의 길이를 입력 받는다</a:t>
             </a:r>
             <a:r>
-              <a:rPr lang="en-US" altLang="ko-KR" sz="2000" dirty="0" smtClean="0"/>
+              <a:rPr lang="en-US" altLang="ko-KR" sz="2000" dirty="0"/>
               <a:t>. </a:t>
             </a:r>
             <a:r>
-              <a:rPr lang="ko-KR" altLang="en-US" sz="2000" dirty="0" smtClean="0"/>
+              <a:rPr lang="ko-KR" altLang="en-US" sz="2000" dirty="0"/>
               <a:t>입력 값이 음수이면 </a:t>
             </a:r>
             <a:r>
-              <a:rPr lang="en-US" altLang="ko-KR" sz="2000" dirty="0" smtClean="0"/>
+              <a:rPr lang="en-US" altLang="ko-KR" sz="2000" dirty="0"/>
               <a:t>"</a:t>
             </a:r>
             <a:r>
-              <a:rPr lang="ko-KR" altLang="en-US" sz="2000" dirty="0" smtClean="0"/>
+              <a:rPr lang="ko-KR" altLang="en-US" sz="2000" dirty="0"/>
               <a:t>잘못 입력하였습니다</a:t>
             </a:r>
             <a:r>
-              <a:rPr lang="en-US" altLang="ko-KR" sz="2000" dirty="0" smtClean="0"/>
+              <a:rPr lang="en-US" altLang="ko-KR" sz="2000" dirty="0"/>
               <a:t>"</a:t>
             </a:r>
             <a:r>
-              <a:rPr lang="ko-KR" altLang="en-US" sz="2000" dirty="0" smtClean="0"/>
+              <a:rPr lang="ko-KR" altLang="en-US" sz="2000" dirty="0"/>
               <a:t>라는 메시지를 출력하고 양수이면 길이를 인치로 변환하여 출력하는 프로그램을 작성하라</a:t>
             </a:r>
             <a:r>
-              <a:rPr lang="en-US" altLang="ko-KR" sz="2000" dirty="0" smtClean="0"/>
+              <a:rPr lang="en-US" altLang="ko-KR" sz="2000" dirty="0"/>
               <a:t>. 1</a:t>
             </a:r>
             <a:r>
-              <a:rPr lang="ko-KR" altLang="en-US" sz="2000" dirty="0" smtClean="0"/>
+              <a:rPr lang="ko-KR" altLang="en-US" sz="2000" dirty="0"/>
               <a:t>인치 </a:t>
             </a:r>
             <a:r>
-              <a:rPr lang="en-US" altLang="ko-KR" sz="2000" dirty="0" smtClean="0"/>
+              <a:rPr lang="en-US" altLang="ko-KR" sz="2000" dirty="0"/>
               <a:t>= 2.54cm</a:t>
             </a:r>
           </a:p>
@@ -6026,107 +6015,107 @@
           </a:p>
           <a:p>
             <a:r>
-              <a:rPr lang="ko-KR" altLang="en-US" sz="2000" dirty="0" smtClean="0"/>
+              <a:rPr lang="ko-KR" altLang="en-US" sz="2000" dirty="0"/>
               <a:t>사용자로부터 이수한 학점을 입력 받는다</a:t>
             </a:r>
             <a:r>
-              <a:rPr lang="en-US" altLang="ko-KR" sz="2000" dirty="0" smtClean="0"/>
+              <a:rPr lang="en-US" altLang="ko-KR" sz="2000" dirty="0"/>
               <a:t>. </a:t>
             </a:r>
             <a:r>
-              <a:rPr lang="ko-KR" altLang="en-US" sz="2000" dirty="0" smtClean="0"/>
+              <a:rPr lang="ko-KR" altLang="en-US" sz="2000" dirty="0"/>
               <a:t>학점이 </a:t>
             </a:r>
             <a:r>
-              <a:rPr lang="en-US" altLang="ko-KR" sz="2000" dirty="0" smtClean="0"/>
+              <a:rPr lang="en-US" altLang="ko-KR" sz="2000" dirty="0"/>
               <a:t>40</a:t>
             </a:r>
             <a:r>
-              <a:rPr lang="ko-KR" altLang="en-US" sz="2000" dirty="0" smtClean="0"/>
+              <a:rPr lang="ko-KR" altLang="en-US" sz="2000" dirty="0"/>
               <a:t>학점 미만이면 </a:t>
             </a:r>
             <a:r>
-              <a:rPr lang="en-US" altLang="ko-KR" sz="2000" dirty="0" smtClean="0"/>
+              <a:rPr lang="en-US" altLang="ko-KR" sz="2000" dirty="0"/>
               <a:t>"1</a:t>
             </a:r>
             <a:r>
-              <a:rPr lang="ko-KR" altLang="en-US" sz="2000" dirty="0" smtClean="0"/>
+              <a:rPr lang="ko-KR" altLang="en-US" sz="2000" dirty="0"/>
               <a:t>학년입니다</a:t>
             </a:r>
             <a:r>
-              <a:rPr lang="en-US" altLang="ko-KR" sz="2000" dirty="0" smtClean="0"/>
+              <a:rPr lang="en-US" altLang="ko-KR" sz="2000" dirty="0"/>
               <a:t>"</a:t>
             </a:r>
             <a:r>
-              <a:rPr lang="ko-KR" altLang="en-US" sz="2000" dirty="0" smtClean="0"/>
+              <a:rPr lang="ko-KR" altLang="en-US" sz="2000" dirty="0"/>
               <a:t>를 출력하고</a:t>
             </a:r>
             <a:r>
-              <a:rPr lang="en-US" altLang="ko-KR" sz="2000" dirty="0" smtClean="0"/>
+              <a:rPr lang="en-US" altLang="ko-KR" sz="2000" dirty="0"/>
               <a:t>, 40</a:t>
             </a:r>
             <a:r>
-              <a:rPr lang="ko-KR" altLang="en-US" sz="2000" dirty="0" smtClean="0"/>
+              <a:rPr lang="ko-KR" altLang="en-US" sz="2000" dirty="0"/>
               <a:t>이상 </a:t>
             </a:r>
             <a:r>
-              <a:rPr lang="en-US" altLang="ko-KR" sz="2000" dirty="0" smtClean="0"/>
+              <a:rPr lang="en-US" altLang="ko-KR" sz="2000" dirty="0"/>
               <a:t>80</a:t>
             </a:r>
             <a:r>
-              <a:rPr lang="ko-KR" altLang="en-US" sz="2000" dirty="0" smtClean="0"/>
+              <a:rPr lang="ko-KR" altLang="en-US" sz="2000" dirty="0"/>
               <a:t>미만이면 </a:t>
             </a:r>
             <a:r>
-              <a:rPr lang="en-US" altLang="ko-KR" sz="2000" dirty="0" smtClean="0"/>
+              <a:rPr lang="en-US" altLang="ko-KR" sz="2000" dirty="0"/>
               <a:t>"2</a:t>
             </a:r>
             <a:r>
-              <a:rPr lang="ko-KR" altLang="en-US" sz="2000" dirty="0" smtClean="0"/>
+              <a:rPr lang="ko-KR" altLang="en-US" sz="2000" dirty="0"/>
               <a:t>학년입니다</a:t>
             </a:r>
             <a:r>
-              <a:rPr lang="en-US" altLang="ko-KR" sz="2000" dirty="0" smtClean="0"/>
+              <a:rPr lang="en-US" altLang="ko-KR" sz="2000" dirty="0"/>
               <a:t>"</a:t>
             </a:r>
             <a:r>
-              <a:rPr lang="ko-KR" altLang="en-US" sz="2000" dirty="0" smtClean="0"/>
+              <a:rPr lang="ko-KR" altLang="en-US" sz="2000" dirty="0"/>
               <a:t>를 출력한다</a:t>
             </a:r>
             <a:r>
-              <a:rPr lang="en-US" altLang="ko-KR" sz="2000" dirty="0" smtClean="0"/>
+              <a:rPr lang="en-US" altLang="ko-KR" sz="2000" dirty="0"/>
               <a:t>. </a:t>
             </a:r>
             <a:r>
-              <a:rPr lang="ko-KR" altLang="en-US" sz="2000" dirty="0" smtClean="0"/>
+              <a:rPr lang="ko-KR" altLang="en-US" sz="2000" dirty="0"/>
               <a:t>학점이 </a:t>
             </a:r>
             <a:r>
-              <a:rPr lang="en-US" altLang="ko-KR" sz="2000" dirty="0" smtClean="0"/>
+              <a:rPr lang="en-US" altLang="ko-KR" sz="2000" dirty="0"/>
               <a:t>80</a:t>
             </a:r>
             <a:r>
-              <a:rPr lang="ko-KR" altLang="en-US" sz="2000" dirty="0" smtClean="0"/>
+              <a:rPr lang="ko-KR" altLang="en-US" sz="2000" dirty="0"/>
               <a:t>이상이면 </a:t>
             </a:r>
             <a:r>
-              <a:rPr lang="en-US" altLang="ko-KR" sz="2000" dirty="0" smtClean="0"/>
+              <a:rPr lang="en-US" altLang="ko-KR" sz="2000" dirty="0"/>
               <a:t>"</a:t>
             </a:r>
             <a:r>
-              <a:rPr lang="ko-KR" altLang="en-US" sz="2000" dirty="0" smtClean="0"/>
+              <a:rPr lang="ko-KR" altLang="en-US" sz="2000" dirty="0"/>
               <a:t>졸업반입니다</a:t>
             </a:r>
             <a:r>
-              <a:rPr lang="en-US" altLang="ko-KR" sz="2000" dirty="0" smtClean="0"/>
+              <a:rPr lang="en-US" altLang="ko-KR" sz="2000" dirty="0"/>
               <a:t>"</a:t>
             </a:r>
             <a:r>
-              <a:rPr lang="ko-KR" altLang="en-US" sz="2000" dirty="0" smtClean="0"/>
+              <a:rPr lang="ko-KR" altLang="en-US" sz="2000" dirty="0"/>
               <a:t>를 출력하는 프로그램을 작성하라</a:t>
             </a:r>
             <a:r>
-              <a:rPr lang="en-US" altLang="ko-KR" sz="2000" dirty="0" smtClean="0"/>
+              <a:rPr lang="en-US" altLang="ko-KR" sz="2000" dirty="0"/>
               <a:t>.</a:t>
             </a:r>
           </a:p>
@@ -6135,51 +6124,51 @@
           </a:p>
           <a:p>
             <a:r>
-              <a:rPr lang="ko-KR" altLang="en-US" sz="2000" dirty="0" smtClean="0"/>
+              <a:rPr lang="ko-KR" altLang="en-US" sz="2000" dirty="0"/>
               <a:t>사용자로부터 현재 시간을 나타내는 </a:t>
             </a:r>
             <a:r>
-              <a:rPr lang="en-US" altLang="ko-KR" sz="2000" dirty="0" smtClean="0"/>
+              <a:rPr lang="en-US" altLang="ko-KR" sz="2000" dirty="0"/>
               <a:t>1~12</a:t>
             </a:r>
             <a:r>
-              <a:rPr lang="ko-KR" altLang="en-US" sz="2000" dirty="0" smtClean="0"/>
+              <a:rPr lang="ko-KR" altLang="en-US" sz="2000" dirty="0"/>
               <a:t>의 숫자를 입력 받는다</a:t>
             </a:r>
             <a:r>
-              <a:rPr lang="en-US" altLang="ko-KR" sz="2000" dirty="0" smtClean="0"/>
+              <a:rPr lang="en-US" altLang="ko-KR" sz="2000" dirty="0"/>
               <a:t>. </a:t>
             </a:r>
             <a:r>
-              <a:rPr lang="ko-KR" altLang="en-US" sz="2000" dirty="0" smtClean="0"/>
+              <a:rPr lang="ko-KR" altLang="en-US" sz="2000" dirty="0"/>
               <a:t>또 </a:t>
             </a:r>
             <a:r>
-              <a:rPr lang="en-US" altLang="ko-KR" sz="2000" dirty="0" smtClean="0"/>
+              <a:rPr lang="en-US" altLang="ko-KR" sz="2000" dirty="0"/>
               <a:t>"am" </a:t>
             </a:r>
             <a:r>
-              <a:rPr lang="ko-KR" altLang="en-US" sz="2000" dirty="0" smtClean="0"/>
+              <a:rPr lang="ko-KR" altLang="en-US" sz="2000" dirty="0"/>
               <a:t>혹은 </a:t>
             </a:r>
             <a:r>
-              <a:rPr lang="en-US" altLang="ko-KR" sz="2000" dirty="0" smtClean="0"/>
+              <a:rPr lang="en-US" altLang="ko-KR" sz="2000" dirty="0"/>
               <a:t>"pm"</a:t>
             </a:r>
             <a:r>
-              <a:rPr lang="ko-KR" altLang="en-US" sz="2000" dirty="0" smtClean="0"/>
+              <a:rPr lang="ko-KR" altLang="en-US" sz="2000" dirty="0"/>
               <a:t>을 입력 받고 경과 시간을 나타내는 값을 입력 받는다</a:t>
             </a:r>
             <a:r>
-              <a:rPr lang="en-US" altLang="ko-KR" sz="2000" dirty="0" smtClean="0"/>
+              <a:rPr lang="en-US" altLang="ko-KR" sz="2000" dirty="0"/>
               <a:t>. </a:t>
             </a:r>
             <a:r>
-              <a:rPr lang="ko-KR" altLang="en-US" sz="2000" dirty="0" smtClean="0"/>
+              <a:rPr lang="ko-KR" altLang="en-US" sz="2000" dirty="0"/>
               <a:t>이로부터 최종 시간이 몇 시인지 출력하는 프로그램을 작성하라</a:t>
             </a:r>
             <a:r>
-              <a:rPr lang="en-US" altLang="ko-KR" sz="2000" dirty="0" smtClean="0"/>
+              <a:rPr lang="en-US" altLang="ko-KR" sz="2000" dirty="0"/>
               <a:t>.</a:t>
             </a:r>
             <a:endParaRPr lang="ko-KR" altLang="en-US" sz="2000" dirty="0"/>
@@ -6209,10 +6198,9 @@
           <a:lstStyle/>
           <a:p>
             <a:r>
-              <a:rPr lang="ko-KR" altLang="en-US" dirty="0" smtClean="0"/>
+              <a:rPr lang="ko-KR" altLang="en-US" dirty="0"/>
               <a:t>연습문제</a:t>
             </a:r>
-            <a:endParaRPr lang="ko-KR" altLang="en-US" dirty="0"/>
           </a:p>
         </p:txBody>
       </p:sp>
@@ -6285,13 +6273,6 @@
   <p:clrMapOvr>
     <a:masterClrMapping/>
   </p:clrMapOvr>
-  <p:timing>
-    <p:tnLst>
-      <p:par>
-        <p:cTn id="1" dur="indefinite" restart="never" nodeType="tmRoot"/>
-      </p:par>
-    </p:tnLst>
-  </p:timing>
 </p:sld>
 </file>
 
@@ -6330,15 +6311,15 @@
           <a:lstStyle/>
           <a:p>
             <a:r>
-              <a:rPr lang="ko-KR" altLang="en-US" dirty="0" err="1" smtClean="0"/>
+              <a:rPr lang="ko-KR" altLang="en-US" dirty="0" err="1"/>
               <a:t>반복문</a:t>
             </a:r>
             <a:r>
-              <a:rPr lang="ko-KR" altLang="en-US" dirty="0" smtClean="0"/>
+              <a:rPr lang="ko-KR" altLang="en-US" dirty="0"/>
               <a:t> </a:t>
             </a:r>
             <a:r>
-              <a:rPr lang="en-US" altLang="ko-KR" dirty="0" smtClean="0"/>
+              <a:rPr lang="en-US" altLang="ko-KR" dirty="0"/>
               <a:t>while</a:t>
             </a:r>
             <a:endParaRPr lang="ko-KR" altLang="en-US" dirty="0"/>
@@ -6368,12 +6349,8 @@
           <a:lstStyle/>
           <a:p>
             <a:r>
-              <a:rPr lang="en-US" altLang="ko-KR" sz="2000" dirty="0" smtClean="0"/>
-              <a:t>while</a:t>
-            </a:r>
-            <a:r>
               <a:rPr lang="en-US" altLang="ko-KR" sz="2000" dirty="0"/>
-              <a:t>, for: </a:t>
+              <a:t>while, for: </a:t>
             </a:r>
             <a:r>
               <a:rPr lang="ko-KR" altLang="en-US" sz="2000" dirty="0" err="1"/>
@@ -6396,7 +6373,7 @@
               <a:t>반복적으로 명령어를 실행할 수 있는 문법</a:t>
             </a:r>
             <a:r>
-              <a:rPr lang="en-US" altLang="ko-KR" sz="2000" dirty="0" smtClean="0"/>
+              <a:rPr lang="en-US" altLang="ko-KR" sz="2000" dirty="0"/>
               <a:t>.</a:t>
             </a:r>
           </a:p>
@@ -6411,7 +6388,7 @@
               <a:t>구조</a:t>
             </a:r>
             <a:r>
-              <a:rPr lang="en-US" altLang="ko-KR" sz="1800" dirty="0" smtClean="0"/>
+              <a:rPr lang="en-US" altLang="ko-KR" sz="1800" dirty="0"/>
               <a:t>:</a:t>
             </a:r>
           </a:p>
@@ -6421,11 +6398,11 @@
           </a:p>
           <a:p>
             <a:pPr lvl="1"/>
-            <a:endParaRPr lang="en-US" altLang="ko-KR" sz="1800" dirty="0" smtClean="0"/>
+            <a:endParaRPr lang="en-US" altLang="ko-KR" sz="1800" dirty="0"/>
           </a:p>
           <a:p>
             <a:pPr lvl="1"/>
-            <a:endParaRPr lang="en-US" altLang="ko-KR" sz="1800" dirty="0" smtClean="0"/>
+            <a:endParaRPr lang="en-US" altLang="ko-KR" sz="1800" dirty="0"/>
           </a:p>
           <a:p>
             <a:pPr lvl="1"/>
@@ -6433,12 +6410,12 @@
           </a:p>
           <a:p>
             <a:pPr lvl="1"/>
-            <a:endParaRPr lang="en-US" altLang="ko-KR" sz="1800" dirty="0" smtClean="0"/>
+            <a:endParaRPr lang="en-US" altLang="ko-KR" sz="1800" dirty="0"/>
           </a:p>
           <a:p>
             <a:pPr lvl="1"/>
             <a:r>
-              <a:rPr lang="en-US" altLang="ko-KR" sz="1800" dirty="0" smtClean="0"/>
+              <a:rPr lang="en-US" altLang="ko-KR" sz="1800" dirty="0"/>
               <a:t>1</a:t>
             </a:r>
             <a:r>
@@ -6464,11 +6441,7 @@
           </a:p>
           <a:p>
             <a:pPr lvl="1"/>
-            <a:endParaRPr lang="en-US" altLang="ko-KR" sz="1800" dirty="0" smtClean="0"/>
-          </a:p>
-          <a:p>
-            <a:pPr lvl="1"/>
-            <a:endParaRPr lang="en-US" altLang="ko-KR" sz="1800" dirty="0" smtClean="0"/>
+            <a:endParaRPr lang="en-US" altLang="ko-KR" sz="1800" dirty="0"/>
           </a:p>
           <a:p>
             <a:pPr lvl="1"/>
@@ -6476,7 +6449,11 @@
           </a:p>
           <a:p>
             <a:pPr lvl="1"/>
-            <a:endParaRPr lang="en-US" altLang="ko-KR" sz="1800" dirty="0" smtClean="0"/>
+            <a:endParaRPr lang="en-US" altLang="ko-KR" sz="1800" dirty="0"/>
+          </a:p>
+          <a:p>
+            <a:pPr lvl="1"/>
+            <a:endParaRPr lang="en-US" altLang="ko-KR" sz="1800" dirty="0"/>
           </a:p>
           <a:p>
             <a:pPr lvl="2"/>
@@ -6593,46 +6570,45 @@
           <a:lstStyle/>
           <a:p>
             <a:r>
-              <a:rPr lang="en-US" altLang="ko-KR" dirty="0" smtClean="0"/>
+              <a:rPr lang="en-US" altLang="ko-KR" dirty="0"/>
               <a:t>while </a:t>
             </a:r>
             <a:r>
-              <a:rPr lang="ko-KR" altLang="en-US" dirty="0" err="1" smtClean="0"/>
+              <a:rPr lang="ko-KR" altLang="en-US" dirty="0" err="1"/>
               <a:t>조건식</a:t>
             </a:r>
             <a:r>
-              <a:rPr lang="en-US" altLang="ko-KR" dirty="0" smtClean="0"/>
+              <a:rPr lang="en-US" altLang="ko-KR" dirty="0"/>
               <a:t>:</a:t>
             </a:r>
           </a:p>
           <a:p>
             <a:r>
-              <a:rPr lang="en-US" altLang="ko-KR" dirty="0" smtClean="0"/>
+              <a:rPr lang="en-US" altLang="ko-KR" dirty="0"/>
               <a:t>  </a:t>
             </a:r>
             <a:r>
-              <a:rPr lang="ko-KR" altLang="en-US" dirty="0" smtClean="0"/>
+              <a:rPr lang="ko-KR" altLang="en-US" dirty="0"/>
               <a:t>실행할 문장</a:t>
             </a:r>
             <a:r>
-              <a:rPr lang="en-US" altLang="ko-KR" dirty="0" smtClean="0"/>
+              <a:rPr lang="en-US" altLang="ko-KR" dirty="0"/>
               <a:t>1</a:t>
             </a:r>
           </a:p>
           <a:p>
             <a:r>
-              <a:rPr lang="en-US" altLang="ko-KR" dirty="0" smtClean="0"/>
+              <a:rPr lang="en-US" altLang="ko-KR" dirty="0"/>
               <a:t>  </a:t>
             </a:r>
             <a:r>
-              <a:rPr lang="ko-KR" altLang="en-US" dirty="0" smtClean="0"/>
+              <a:rPr lang="ko-KR" altLang="en-US" dirty="0"/>
               <a:t>실행할 문장</a:t>
             </a:r>
             <a:r>
-              <a:rPr lang="en-US" altLang="ko-KR" dirty="0" smtClean="0"/>
+              <a:rPr lang="en-US" altLang="ko-KR" dirty="0"/>
               <a:t>2</a:t>
             </a:r>
-            <a:endParaRPr lang="en-US" altLang="ko-KR" dirty="0"/>
           </a:p>
         </p:txBody>
       </p:sp>
@@ -6730,7 +6706,7 @@
           <a:lstStyle/>
           <a:p>
             <a:r>
-              <a:rPr lang="ko-KR" altLang="en-US" dirty="0" err="1" smtClean="0"/>
+              <a:rPr lang="ko-KR" altLang="en-US" dirty="0" err="1"/>
               <a:t>반복문</a:t>
             </a:r>
             <a:r>
@@ -6776,22 +6752,18 @@
             </a:r>
             <a:r>
               <a:rPr lang="ko-KR" altLang="en-US" sz="2400" dirty="0"/>
-              <a:t>까지의 짝수를 출력하는 </a:t>
-            </a:r>
-            <a:r>
-              <a:rPr lang="ko-KR" altLang="en-US" sz="2400" dirty="0" smtClean="0"/>
-              <a:t>예제</a:t>
-            </a:r>
-            <a:endParaRPr lang="en-US" altLang="ko-KR" sz="2400" dirty="0" smtClean="0"/>
-          </a:p>
-          <a:p>
+              <a:t>까지의 짝수를 출력하는 예제</a:t>
+            </a:r>
             <a:endParaRPr lang="en-US" altLang="ko-KR" sz="2400" dirty="0"/>
           </a:p>
           <a:p>
-            <a:endParaRPr lang="en-US" altLang="ko-KR" sz="2400" dirty="0" smtClean="0"/>
-          </a:p>
-          <a:p>
-            <a:endParaRPr lang="en-US" altLang="ko-KR" sz="2400" dirty="0" smtClean="0"/>
+            <a:endParaRPr lang="en-US" altLang="ko-KR" sz="2400" dirty="0"/>
+          </a:p>
+          <a:p>
+            <a:endParaRPr lang="en-US" altLang="ko-KR" sz="2400" dirty="0"/>
+          </a:p>
+          <a:p>
+            <a:endParaRPr lang="en-US" altLang="ko-KR" sz="2400" dirty="0"/>
           </a:p>
           <a:p>
             <a:endParaRPr lang="en-US" altLang="ko-KR" sz="2400" dirty="0"/>
@@ -6974,7 +6946,7 @@
           <a:lstStyle/>
           <a:p>
             <a:r>
-              <a:rPr lang="ko-KR" altLang="en-US" dirty="0" err="1" smtClean="0"/>
+              <a:rPr lang="ko-KR" altLang="en-US" dirty="0" err="1"/>
               <a:t>반복문</a:t>
             </a:r>
             <a:r>
@@ -7034,19 +7006,19 @@
             <a:endParaRPr lang="en-US" altLang="ko-KR" sz="1800" dirty="0"/>
           </a:p>
           <a:p>
-            <a:endParaRPr lang="en-US" altLang="ko-KR" sz="1800" dirty="0" smtClean="0"/>
-          </a:p>
-          <a:p>
             <a:endParaRPr lang="en-US" altLang="ko-KR" sz="1800" dirty="0"/>
           </a:p>
           <a:p>
-            <a:endParaRPr lang="en-US" altLang="ko-KR" sz="1800" dirty="0" smtClean="0"/>
-          </a:p>
-          <a:p>
-            <a:endParaRPr lang="en-US" altLang="ko-KR" sz="1800" dirty="0" smtClean="0"/>
-          </a:p>
-          <a:p>
-            <a:endParaRPr lang="en-US" altLang="ko-KR" sz="1800" dirty="0" smtClean="0"/>
+            <a:endParaRPr lang="en-US" altLang="ko-KR" sz="1800" dirty="0"/>
+          </a:p>
+          <a:p>
+            <a:endParaRPr lang="en-US" altLang="ko-KR" sz="1800" dirty="0"/>
+          </a:p>
+          <a:p>
+            <a:endParaRPr lang="en-US" altLang="ko-KR" sz="1800" dirty="0"/>
+          </a:p>
+          <a:p>
+            <a:endParaRPr lang="en-US" altLang="ko-KR" sz="1800" dirty="0"/>
           </a:p>
           <a:p>
             <a:endParaRPr lang="en-US" altLang="ko-KR" sz="1800" dirty="0"/>
@@ -7375,7 +7347,7 @@
           <a:lstStyle/>
           <a:p>
             <a:r>
-              <a:rPr lang="ko-KR" altLang="en-US" dirty="0" err="1" smtClean="0"/>
+              <a:rPr lang="ko-KR" altLang="en-US" dirty="0" err="1"/>
               <a:t>조건문</a:t>
             </a:r>
             <a:endParaRPr lang="ko-KR" altLang="en-US" dirty="0"/>
@@ -7431,7 +7403,7 @@
               <a:t>조건문입니다</a:t>
             </a:r>
             <a:r>
-              <a:rPr lang="en-US" altLang="ko-KR" sz="1800" dirty="0" smtClean="0"/>
+              <a:rPr lang="en-US" altLang="ko-KR" sz="1800" dirty="0"/>
               <a:t>.</a:t>
             </a:r>
           </a:p>
@@ -7441,11 +7413,11 @@
           </a:p>
           <a:p>
             <a:pPr lvl="1"/>
-            <a:endParaRPr lang="en-US" altLang="ko-KR" sz="1800" dirty="0" smtClean="0"/>
-          </a:p>
-          <a:p>
-            <a:r>
-              <a:rPr lang="en-US" altLang="ko-KR" sz="2000" b="1" dirty="0" smtClean="0"/>
+            <a:endParaRPr lang="en-US" altLang="ko-KR" sz="1800" dirty="0"/>
+          </a:p>
+          <a:p>
+            <a:r>
+              <a:rPr lang="en-US" altLang="ko-KR" sz="2000" b="1" dirty="0"/>
               <a:t>if-else </a:t>
             </a:r>
             <a:r>
@@ -7484,13 +7456,9 @@
               <a:t>조건문입니다</a:t>
             </a:r>
             <a:r>
-              <a:rPr lang="en-US" altLang="ko-KR" sz="1800" dirty="0" smtClean="0"/>
+              <a:rPr lang="en-US" altLang="ko-KR" sz="1800" dirty="0"/>
               <a:t>.</a:t>
             </a:r>
-          </a:p>
-          <a:p>
-            <a:pPr lvl="1"/>
-            <a:endParaRPr lang="en-US" altLang="ko-KR" sz="1600" dirty="0" smtClean="0"/>
           </a:p>
           <a:p>
             <a:pPr lvl="1"/>
@@ -7498,7 +7466,7 @@
           </a:p>
           <a:p>
             <a:pPr lvl="1"/>
-            <a:endParaRPr lang="en-US" altLang="ko-KR" sz="1600" dirty="0" smtClean="0"/>
+            <a:endParaRPr lang="en-US" altLang="ko-KR" sz="1600" dirty="0"/>
           </a:p>
           <a:p>
             <a:pPr lvl="1"/>
@@ -7506,7 +7474,11 @@
           </a:p>
           <a:p>
             <a:pPr lvl="1"/>
-            <a:endParaRPr lang="en-US" altLang="ko-KR" sz="1600" dirty="0" smtClean="0"/>
+            <a:endParaRPr lang="en-US" altLang="ko-KR" sz="1600" dirty="0"/>
+          </a:p>
+          <a:p>
+            <a:pPr lvl="1"/>
+            <a:endParaRPr lang="en-US" altLang="ko-KR" sz="1600" dirty="0"/>
           </a:p>
           <a:p>
             <a:pPr lvl="1"/>
@@ -7923,15 +7895,15 @@
           <a:lstStyle/>
           <a:p>
             <a:r>
-              <a:rPr lang="ko-KR" altLang="en-US" sz="4000" dirty="0" err="1" smtClean="0"/>
+              <a:rPr lang="ko-KR" altLang="en-US" sz="4000" dirty="0" err="1"/>
               <a:t>반복문</a:t>
             </a:r>
             <a:r>
-              <a:rPr lang="ko-KR" altLang="en-US" sz="4000" dirty="0" smtClean="0"/>
+              <a:rPr lang="ko-KR" altLang="en-US" sz="4000" dirty="0"/>
               <a:t> </a:t>
             </a:r>
             <a:r>
-              <a:rPr lang="en-US" altLang="ko-KR" sz="4000" dirty="0" smtClean="0"/>
+              <a:rPr lang="en-US" altLang="ko-KR" sz="4000" dirty="0"/>
               <a:t>for</a:t>
             </a:r>
             <a:endParaRPr lang="ko-KR" altLang="en-US" sz="4000" dirty="0"/>
@@ -7999,7 +7971,7 @@
               <a:rPr lang="en-US" altLang="ko-KR" sz="2000" dirty="0"/>
               <a:t>.</a:t>
             </a:r>
-            <a:endParaRPr lang="en-US" altLang="ko-KR" sz="1800" dirty="0" smtClean="0"/>
+            <a:endParaRPr lang="en-US" altLang="ko-KR" sz="1800" dirty="0"/>
           </a:p>
           <a:p>
             <a:pPr lvl="1"/>
@@ -8012,7 +7984,7 @@
               <a:t>구조</a:t>
             </a:r>
             <a:r>
-              <a:rPr lang="en-US" altLang="ko-KR" sz="2000" dirty="0" smtClean="0"/>
+              <a:rPr lang="en-US" altLang="ko-KR" sz="2000" dirty="0"/>
               <a:t>:</a:t>
             </a:r>
           </a:p>
@@ -8022,7 +7994,7 @@
           </a:p>
           <a:p>
             <a:pPr lvl="1"/>
-            <a:endParaRPr lang="en-US" altLang="ko-KR" sz="2000" dirty="0" smtClean="0"/>
+            <a:endParaRPr lang="en-US" altLang="ko-KR" sz="2000" dirty="0"/>
           </a:p>
           <a:p>
             <a:pPr lvl="1"/>
@@ -8030,7 +8002,7 @@
           </a:p>
           <a:p>
             <a:pPr lvl="1"/>
-            <a:endParaRPr lang="en-US" altLang="ko-KR" sz="2000" dirty="0" smtClean="0"/>
+            <a:endParaRPr lang="en-US" altLang="ko-KR" sz="2000" dirty="0"/>
           </a:p>
           <a:p>
             <a:pPr lvl="1"/>
@@ -8265,49 +8237,41 @@
             <a:endParaRPr lang="en-US" altLang="ko-KR" sz="2000" dirty="0"/>
           </a:p>
           <a:p>
-            <a:endParaRPr lang="en-US" altLang="ko-KR" sz="2000" dirty="0" smtClean="0"/>
-          </a:p>
-          <a:p>
-            <a:endParaRPr lang="en-US" altLang="ko-KR" sz="2000" dirty="0" smtClean="0"/>
-          </a:p>
-          <a:p>
             <a:endParaRPr lang="en-US" altLang="ko-KR" sz="2000" dirty="0"/>
           </a:p>
           <a:p>
-            <a:endParaRPr lang="en-US" altLang="ko-KR" sz="2000" dirty="0" smtClean="0"/>
-          </a:p>
-          <a:p>
             <a:endParaRPr lang="en-US" altLang="ko-KR" sz="2000" dirty="0"/>
           </a:p>
           <a:p>
-            <a:r>
-              <a:rPr lang="ko-KR" altLang="en-US" sz="2000" dirty="0" smtClean="0"/>
-              <a:t>리스트에 </a:t>
-            </a:r>
-            <a:r>
-              <a:rPr lang="ko-KR" altLang="en-US" sz="2000" dirty="0"/>
-              <a:t>저장된 모든 수의 합을 구하는 </a:t>
-            </a:r>
-            <a:r>
-              <a:rPr lang="ko-KR" altLang="en-US" sz="2000" dirty="0" smtClean="0"/>
-              <a:t>코드</a:t>
-            </a:r>
-            <a:endParaRPr lang="en-US" altLang="ko-KR" sz="2000" dirty="0" smtClean="0"/>
-          </a:p>
-          <a:p>
             <a:endParaRPr lang="en-US" altLang="ko-KR" sz="2000" dirty="0"/>
           </a:p>
           <a:p>
-            <a:endParaRPr lang="en-US" altLang="ko-KR" sz="2000" dirty="0" smtClean="0"/>
-          </a:p>
-          <a:p>
             <a:endParaRPr lang="en-US" altLang="ko-KR" sz="2000" dirty="0"/>
           </a:p>
           <a:p>
-            <a:endParaRPr lang="en-US" altLang="ko-KR" sz="2000" dirty="0" smtClean="0"/>
-          </a:p>
-          <a:p>
-            <a:endParaRPr lang="en-US" altLang="ko-KR" sz="2000" dirty="0" smtClean="0"/>
+            <a:endParaRPr lang="en-US" altLang="ko-KR" sz="2000" dirty="0"/>
+          </a:p>
+          <a:p>
+            <a:r>
+              <a:rPr lang="ko-KR" altLang="en-US" sz="2000" dirty="0"/>
+              <a:t>리스트에 저장된 모든 수의 합을 구하는 코드</a:t>
+            </a:r>
+            <a:endParaRPr lang="en-US" altLang="ko-KR" sz="2000" dirty="0"/>
+          </a:p>
+          <a:p>
+            <a:endParaRPr lang="en-US" altLang="ko-KR" sz="2000" dirty="0"/>
+          </a:p>
+          <a:p>
+            <a:endParaRPr lang="en-US" altLang="ko-KR" sz="2000" dirty="0"/>
+          </a:p>
+          <a:p>
+            <a:endParaRPr lang="en-US" altLang="ko-KR" sz="2000" dirty="0"/>
+          </a:p>
+          <a:p>
+            <a:endParaRPr lang="en-US" altLang="ko-KR" sz="2000" dirty="0"/>
+          </a:p>
+          <a:p>
+            <a:endParaRPr lang="en-US" altLang="ko-KR" sz="2000" dirty="0"/>
           </a:p>
           <a:p>
             <a:endParaRPr lang="en-US" altLang="ko-KR" sz="2000" dirty="0"/>
@@ -8401,25 +8365,24 @@
           <a:lstStyle/>
           <a:p>
             <a:r>
-              <a:rPr lang="en-US" altLang="ko-KR" dirty="0" smtClean="0"/>
+              <a:rPr lang="en-US" altLang="ko-KR" dirty="0"/>
               <a:t>fruits = ["apple", "banana", "cherry"]</a:t>
             </a:r>
           </a:p>
           <a:p>
-            <a:endParaRPr lang="en-US" altLang="ko-KR" dirty="0" smtClean="0"/>
-          </a:p>
-          <a:p>
-            <a:r>
-              <a:rPr lang="en-US" altLang="ko-KR" dirty="0" smtClean="0"/>
+            <a:endParaRPr lang="en-US" altLang="ko-KR" dirty="0"/>
+          </a:p>
+          <a:p>
+            <a:r>
+              <a:rPr lang="en-US" altLang="ko-KR" dirty="0"/>
               <a:t>for fruit in fruits:</a:t>
             </a:r>
           </a:p>
           <a:p>
             <a:r>
-              <a:rPr lang="en-US" altLang="ko-KR" dirty="0" smtClean="0"/>
+              <a:rPr lang="en-US" altLang="ko-KR" dirty="0"/>
               <a:t>    print(fruit)</a:t>
             </a:r>
-            <a:endParaRPr lang="en-US" altLang="ko-KR" dirty="0"/>
           </a:p>
         </p:txBody>
       </p:sp>
@@ -8514,21 +8477,21 @@
             <a:endParaRPr lang="en-US" altLang="ko-KR" sz="2000" dirty="0"/>
           </a:p>
           <a:p>
-            <a:endParaRPr lang="en-US" altLang="ko-KR" sz="2000" dirty="0" smtClean="0"/>
-          </a:p>
-          <a:p>
-            <a:endParaRPr lang="en-US" altLang="ko-KR" sz="2000" dirty="0" smtClean="0"/>
-          </a:p>
-          <a:p>
             <a:endParaRPr lang="en-US" altLang="ko-KR" sz="2000" dirty="0"/>
           </a:p>
           <a:p>
-            <a:endParaRPr lang="en-US" altLang="ko-KR" sz="2000" dirty="0" smtClean="0"/>
-          </a:p>
-          <a:p>
             <a:endParaRPr lang="en-US" altLang="ko-KR" sz="2000" dirty="0"/>
           </a:p>
           <a:p>
+            <a:endParaRPr lang="en-US" altLang="ko-KR" sz="2000" dirty="0"/>
+          </a:p>
+          <a:p>
+            <a:endParaRPr lang="en-US" altLang="ko-KR" sz="2000" dirty="0"/>
+          </a:p>
+          <a:p>
+            <a:endParaRPr lang="en-US" altLang="ko-KR" sz="2000" dirty="0"/>
+          </a:p>
+          <a:p>
             <a:r>
               <a:rPr lang="ko-KR" altLang="en-US" sz="2000" dirty="0"/>
               <a:t>문자열의 각 문자를 순차적으로 출력하는 예제</a:t>
@@ -8536,16 +8499,16 @@
             <a:endParaRPr lang="en-US" altLang="ko-KR" sz="2000" dirty="0"/>
           </a:p>
           <a:p>
-            <a:endParaRPr lang="en-US" altLang="ko-KR" sz="2000" dirty="0" smtClean="0"/>
-          </a:p>
-          <a:p>
             <a:endParaRPr lang="en-US" altLang="ko-KR" sz="2000" dirty="0"/>
           </a:p>
           <a:p>
-            <a:endParaRPr lang="en-US" altLang="ko-KR" sz="2000" dirty="0" smtClean="0"/>
-          </a:p>
-          <a:p>
-            <a:endParaRPr lang="en-US" altLang="ko-KR" sz="2000" dirty="0" smtClean="0"/>
+            <a:endParaRPr lang="en-US" altLang="ko-KR" sz="2000" dirty="0"/>
+          </a:p>
+          <a:p>
+            <a:endParaRPr lang="en-US" altLang="ko-KR" sz="2000" dirty="0"/>
+          </a:p>
+          <a:p>
+            <a:endParaRPr lang="en-US" altLang="ko-KR" sz="2000" dirty="0"/>
           </a:p>
           <a:p>
             <a:endParaRPr lang="en-US" altLang="ko-KR" sz="2000" dirty="0"/>
@@ -8732,22 +8695,18 @@
             </a:r>
             <a:r>
               <a:rPr lang="ko-KR" altLang="en-US" sz="2000" dirty="0"/>
-              <a:t>까지의 숫자 </a:t>
-            </a:r>
-            <a:r>
-              <a:rPr lang="ko-KR" altLang="en-US" sz="2000" dirty="0" smtClean="0"/>
-              <a:t>출력하기</a:t>
-            </a:r>
-            <a:endParaRPr lang="en-US" altLang="ko-KR" sz="2000" dirty="0" smtClean="0"/>
-          </a:p>
-          <a:p>
-            <a:endParaRPr lang="en-US" altLang="ko-KR" sz="2000" dirty="0" smtClean="0"/>
-          </a:p>
-          <a:p>
+              <a:t>까지의 숫자 출력하기</a:t>
+            </a:r>
             <a:endParaRPr lang="en-US" altLang="ko-KR" sz="2000" dirty="0"/>
           </a:p>
           <a:p>
-            <a:endParaRPr lang="en-US" altLang="ko-KR" sz="2000" dirty="0" smtClean="0"/>
+            <a:endParaRPr lang="en-US" altLang="ko-KR" sz="2000" dirty="0"/>
+          </a:p>
+          <a:p>
+            <a:endParaRPr lang="en-US" altLang="ko-KR" sz="2000" dirty="0"/>
+          </a:p>
+          <a:p>
+            <a:endParaRPr lang="en-US" altLang="ko-KR" sz="2000" dirty="0"/>
           </a:p>
           <a:p>
             <a:r>
@@ -8768,10 +8727,10 @@
             </a:r>
           </a:p>
           <a:p>
-            <a:endParaRPr lang="en-US" altLang="ko-KR" sz="2000" dirty="0" smtClean="0"/>
-          </a:p>
-          <a:p>
-            <a:endParaRPr lang="en-US" altLang="ko-KR" sz="2000" dirty="0" smtClean="0"/>
+            <a:endParaRPr lang="en-US" altLang="ko-KR" sz="2000" dirty="0"/>
+          </a:p>
+          <a:p>
+            <a:endParaRPr lang="en-US" altLang="ko-KR" sz="2000" dirty="0"/>
           </a:p>
           <a:p>
             <a:endParaRPr lang="en-US" altLang="ko-KR" sz="2000" dirty="0"/>
@@ -8952,14 +8911,13 @@
           <a:lstStyle/>
           <a:p>
             <a:r>
-              <a:rPr lang="en-US" altLang="ko-KR" dirty="0" smtClean="0"/>
+              <a:rPr lang="en-US" altLang="ko-KR" dirty="0"/>
               <a:t>range() </a:t>
             </a:r>
             <a:r>
-              <a:rPr lang="ko-KR" altLang="en-US" dirty="0" smtClean="0"/>
+              <a:rPr lang="ko-KR" altLang="en-US" dirty="0"/>
               <a:t>함수</a:t>
             </a:r>
-            <a:endParaRPr lang="ko-KR" altLang="en-US" dirty="0"/>
           </a:p>
         </p:txBody>
       </p:sp>
@@ -8990,13 +8948,9 @@
             </a:r>
             <a:r>
               <a:rPr lang="ko-KR" altLang="en-US" sz="2400" dirty="0"/>
-              <a:t>의 내장 </a:t>
-            </a:r>
-            <a:r>
-              <a:rPr lang="ko-KR" altLang="en-US" sz="2400" dirty="0" smtClean="0"/>
-              <a:t>함수</a:t>
-            </a:r>
-            <a:endParaRPr lang="en-US" altLang="ko-KR" sz="2400" dirty="0" smtClean="0"/>
+              <a:t>의 내장 함수</a:t>
+            </a:r>
+            <a:endParaRPr lang="en-US" altLang="ko-KR" sz="2400" dirty="0"/>
           </a:p>
           <a:p>
             <a:pPr lvl="1"/>
@@ -9010,17 +8964,9 @@
             </a:r>
             <a:r>
               <a:rPr lang="ko-KR" altLang="en-US" sz="2000" dirty="0"/>
-              <a:t>루프에서 사용하여 특정 횟수만큼 반복하는 데 </a:t>
-            </a:r>
-            <a:r>
-              <a:rPr lang="ko-KR" altLang="en-US" sz="2000" dirty="0" smtClean="0"/>
-              <a:t>사용</a:t>
-            </a:r>
-            <a:endParaRPr lang="en-US" altLang="ko-KR" sz="2000" dirty="0" smtClean="0"/>
-          </a:p>
-          <a:p>
-            <a:pPr lvl="1"/>
-            <a:endParaRPr lang="en-US" altLang="ko-KR" sz="2000" dirty="0" smtClean="0"/>
+              <a:t>루프에서 사용하여 특정 횟수만큼 반복하는 데 사용</a:t>
+            </a:r>
+            <a:endParaRPr lang="en-US" altLang="ko-KR" sz="2000" dirty="0"/>
           </a:p>
           <a:p>
             <a:pPr lvl="1"/>
@@ -9028,11 +8974,15 @@
           </a:p>
           <a:p>
             <a:pPr lvl="1"/>
-            <a:r>
-              <a:rPr lang="ko-KR" altLang="en-US" sz="2000" dirty="0" smtClean="0"/>
+            <a:endParaRPr lang="en-US" altLang="ko-KR" sz="2000" dirty="0"/>
+          </a:p>
+          <a:p>
+            <a:pPr lvl="1"/>
+            <a:r>
+              <a:rPr lang="ko-KR" altLang="en-US" sz="2000" dirty="0"/>
               <a:t>매개변수</a:t>
             </a:r>
-            <a:endParaRPr lang="en-US" altLang="ko-KR" sz="2000" dirty="0" smtClean="0"/>
+            <a:endParaRPr lang="en-US" altLang="ko-KR" sz="2000" dirty="0"/>
           </a:p>
           <a:p>
             <a:pPr lvl="2"/>
@@ -9121,17 +9071,13 @@
           </a:p>
           <a:p>
             <a:pPr lvl="1"/>
-            <a:endParaRPr lang="en-US" altLang="ko-KR" sz="2000" dirty="0" smtClean="0"/>
+            <a:endParaRPr lang="en-US" altLang="ko-KR" sz="2000" dirty="0"/>
           </a:p>
           <a:p>
             <a:pPr lvl="1"/>
             <a:r>
-              <a:rPr lang="en-US" altLang="ko-KR" sz="2000" dirty="0" smtClean="0"/>
-              <a:t>range</a:t>
-            </a:r>
-            <a:r>
               <a:rPr lang="en-US" altLang="ko-KR" sz="2000" dirty="0"/>
-              <a:t>() </a:t>
+              <a:t>range() </a:t>
             </a:r>
             <a:r>
               <a:rPr lang="ko-KR" altLang="en-US" sz="2000" dirty="0"/>
@@ -9167,15 +9113,7 @@
             </a:r>
             <a:r>
               <a:rPr lang="ko-KR" altLang="en-US" sz="2000" dirty="0"/>
-              <a:t>함수를 사용하여 </a:t>
-            </a:r>
-            <a:r>
-              <a:rPr lang="ko-KR" altLang="en-US" sz="2000" dirty="0" smtClean="0"/>
-              <a:t>명시적으로 </a:t>
-            </a:r>
-            <a:r>
-              <a:rPr lang="ko-KR" altLang="en-US" sz="2000" dirty="0"/>
-              <a:t>리스트 또는 </a:t>
+              <a:t>함수를 사용하여 명시적으로 리스트 또는 </a:t>
             </a:r>
             <a:r>
               <a:rPr lang="ko-KR" altLang="en-US" sz="2000" dirty="0" err="1"/>
@@ -9215,7 +9153,7 @@
           <a:lstStyle/>
           <a:p>
             <a:r>
-              <a:rPr lang="en-US" altLang="ko-KR" sz="2400" dirty="0" smtClean="0"/>
+              <a:rPr lang="en-US" altLang="ko-KR" sz="2400" dirty="0"/>
               <a:t>range(start, stop, step)</a:t>
             </a:r>
             <a:endParaRPr lang="ko-KR" altLang="en-US" sz="2400" dirty="0"/>
@@ -9462,11 +9400,11 @@
           <a:lstStyle/>
           <a:p>
             <a:r>
-              <a:rPr lang="ko-KR" altLang="en-US" dirty="0" smtClean="0"/>
+              <a:rPr lang="ko-KR" altLang="en-US" dirty="0"/>
               <a:t>중첩 </a:t>
             </a:r>
             <a:r>
-              <a:rPr lang="ko-KR" altLang="en-US" dirty="0" err="1" smtClean="0"/>
+              <a:rPr lang="ko-KR" altLang="en-US" dirty="0" err="1"/>
               <a:t>반복문</a:t>
             </a:r>
             <a:endParaRPr lang="ko-KR" altLang="en-US" dirty="0"/>
@@ -9531,7 +9469,7 @@
               <a:t> 사용하여 원하는 작업을 수행할 수 있다</a:t>
             </a:r>
             <a:r>
-              <a:rPr lang="en-US" altLang="ko-KR" sz="2000" dirty="0" smtClean="0"/>
+              <a:rPr lang="en-US" altLang="ko-KR" sz="2000" dirty="0"/>
               <a:t>.</a:t>
             </a:r>
           </a:p>
@@ -9541,7 +9479,7 @@
               <a:t>중첩 반복문의 문법적 구조는 다음과 같다</a:t>
             </a:r>
             <a:r>
-              <a:rPr lang="en-US" altLang="ko-KR" sz="2000" dirty="0" smtClean="0"/>
+              <a:rPr lang="en-US" altLang="ko-KR" sz="2000" dirty="0"/>
               <a:t>.</a:t>
             </a:r>
           </a:p>
@@ -9549,13 +9487,13 @@
             <a:endParaRPr lang="en-US" altLang="ko-KR" sz="2000" dirty="0"/>
           </a:p>
           <a:p>
-            <a:endParaRPr lang="en-US" altLang="ko-KR" sz="2000" dirty="0" smtClean="0"/>
-          </a:p>
-          <a:p>
             <a:endParaRPr lang="en-US" altLang="ko-KR" sz="2000" dirty="0"/>
           </a:p>
           <a:p>
-            <a:endParaRPr lang="en-US" altLang="ko-KR" sz="2000" dirty="0" smtClean="0"/>
+            <a:endParaRPr lang="en-US" altLang="ko-KR" sz="2000" dirty="0"/>
+          </a:p>
+          <a:p>
+            <a:endParaRPr lang="en-US" altLang="ko-KR" sz="2000" dirty="0"/>
           </a:p>
           <a:p>
             <a:r>
@@ -9731,7 +9669,7 @@
           <a:lstStyle/>
           <a:p>
             <a:r>
-              <a:rPr lang="ko-KR" altLang="en-US" dirty="0" err="1" smtClean="0"/>
+              <a:rPr lang="ko-KR" altLang="en-US" dirty="0" err="1"/>
               <a:t>중첩반복문</a:t>
             </a:r>
             <a:endParaRPr lang="ko-KR" altLang="en-US" dirty="0"/>
@@ -9754,16 +9692,12 @@
           <a:lstStyle/>
           <a:p>
             <a:r>
-              <a:rPr lang="ko-KR" altLang="en-US" dirty="0" err="1" smtClean="0"/>
+              <a:rPr lang="ko-KR" altLang="en-US" dirty="0" err="1"/>
               <a:t>별문자로</a:t>
             </a:r>
             <a:r>
-              <a:rPr lang="ko-KR" altLang="en-US" dirty="0" smtClean="0"/>
-              <a:t> 모양 </a:t>
-            </a:r>
-            <a:r>
               <a:rPr lang="ko-KR" altLang="en-US" dirty="0"/>
-              <a:t>그리기</a:t>
+              <a:t> 모양 그리기</a:t>
             </a:r>
           </a:p>
         </p:txBody>
@@ -9981,7 +9915,7 @@
               <a:t>이를 출력하는 프로그램을 작성하세요</a:t>
             </a:r>
             <a:r>
-              <a:rPr lang="en-US" altLang="ko-KR" sz="2000" dirty="0" smtClean="0"/>
+              <a:rPr lang="en-US" altLang="ko-KR" sz="2000" dirty="0"/>
               <a:t>.</a:t>
             </a:r>
           </a:p>
@@ -10199,7 +10133,7 @@
           <a:lstStyle/>
           <a:p>
             <a:r>
-              <a:rPr lang="ko-KR" altLang="en-US" dirty="0" err="1" smtClean="0"/>
+              <a:rPr lang="ko-KR" altLang="en-US" dirty="0" err="1"/>
               <a:t>조건문</a:t>
             </a:r>
             <a:endParaRPr lang="ko-KR" altLang="en-US" dirty="0"/>
@@ -10229,15 +10163,15 @@
           <a:lstStyle/>
           <a:p>
             <a:r>
-              <a:rPr lang="en-US" altLang="ko-KR" sz="2600" b="1" dirty="0" smtClean="0"/>
+              <a:rPr lang="en-US" altLang="ko-KR" sz="2600" b="1" dirty="0"/>
               <a:t>if-</a:t>
             </a:r>
             <a:r>
-              <a:rPr lang="en-US" altLang="ko-KR" sz="2600" b="1" dirty="0" err="1" smtClean="0"/>
+              <a:rPr lang="en-US" altLang="ko-KR" sz="2600" b="1" dirty="0" err="1"/>
               <a:t>elif</a:t>
             </a:r>
             <a:r>
-              <a:rPr lang="en-US" altLang="ko-KR" sz="2600" b="1" dirty="0" smtClean="0"/>
+              <a:rPr lang="en-US" altLang="ko-KR" sz="2600" b="1" dirty="0"/>
               <a:t>-else </a:t>
             </a:r>
             <a:r>
@@ -10292,7 +10226,7 @@
               <a:t>조건문입니다</a:t>
             </a:r>
             <a:r>
-              <a:rPr lang="en-US" altLang="ko-KR" sz="2200" dirty="0" smtClean="0"/>
+              <a:rPr lang="en-US" altLang="ko-KR" sz="2200" dirty="0"/>
               <a:t>.</a:t>
             </a:r>
           </a:p>
@@ -10302,7 +10236,7 @@
           </a:p>
           <a:p>
             <a:pPr lvl="1"/>
-            <a:endParaRPr lang="en-US" altLang="ko-KR" sz="2200" dirty="0" smtClean="0"/>
+            <a:endParaRPr lang="en-US" altLang="ko-KR" sz="2200" dirty="0"/>
           </a:p>
           <a:p>
             <a:pPr lvl="1"/>
@@ -10310,11 +10244,11 @@
           </a:p>
           <a:p>
             <a:pPr lvl="1"/>
-            <a:endParaRPr lang="en-US" altLang="ko-KR" sz="2200" dirty="0" smtClean="0"/>
+            <a:endParaRPr lang="en-US" altLang="ko-KR" sz="2200" dirty="0"/>
           </a:p>
           <a:p>
             <a:pPr lvl="1"/>
-            <a:endParaRPr lang="en-US" altLang="ko-KR" sz="2200" dirty="0" smtClean="0"/>
+            <a:endParaRPr lang="en-US" altLang="ko-KR" sz="2200" dirty="0"/>
           </a:p>
           <a:p>
             <a:pPr lvl="1"/>
@@ -11298,12 +11232,8 @@
           <a:lstStyle/>
           <a:p>
             <a:r>
-              <a:rPr lang="en-US" altLang="ko-KR" sz="2400" dirty="0" smtClean="0"/>
-              <a:t>break</a:t>
-            </a:r>
-            <a:r>
               <a:rPr lang="en-US" altLang="ko-KR" sz="2400" dirty="0"/>
-              <a:t>, continue, pass: </a:t>
+              <a:t>break, continue, pass: </a:t>
             </a:r>
             <a:r>
               <a:rPr lang="ko-KR" altLang="en-US" sz="2400" dirty="0" err="1"/>
@@ -11333,14 +11263,14 @@
           <a:p>
             <a:pPr lvl="1"/>
             <a:r>
-              <a:rPr lang="en-US" altLang="ko-KR" sz="1800" dirty="0" smtClean="0"/>
+              <a:rPr lang="en-US" altLang="ko-KR" sz="1800" dirty="0"/>
               <a:t>break</a:t>
             </a:r>
           </a:p>
           <a:p>
             <a:pPr lvl="2"/>
             <a:r>
-              <a:rPr lang="ko-KR" altLang="en-US" sz="1600" dirty="0" smtClean="0"/>
+              <a:rPr lang="ko-KR" altLang="en-US" sz="1600" dirty="0"/>
               <a:t>현재 </a:t>
             </a:r>
             <a:r>
@@ -11391,19 +11321,15 @@
           <a:p>
             <a:pPr lvl="1"/>
             <a:r>
-              <a:rPr lang="en-US" altLang="ko-KR" sz="1800" dirty="0" smtClean="0"/>
+              <a:rPr lang="en-US" altLang="ko-KR" sz="1800" dirty="0"/>
               <a:t>continue</a:t>
             </a:r>
           </a:p>
           <a:p>
             <a:pPr lvl="2"/>
             <a:r>
-              <a:rPr lang="ko-KR" altLang="en-US" sz="1600" dirty="0" smtClean="0"/>
-              <a:t>현재 </a:t>
-            </a:r>
-            <a:r>
               <a:rPr lang="ko-KR" altLang="en-US" sz="1600" dirty="0"/>
-              <a:t>반복의 나머지 부분을 생략하고</a:t>
+              <a:t>현재 반복의 나머지 부분을 생략하고</a:t>
             </a:r>
             <a:r>
               <a:rPr lang="en-US" altLang="ko-KR" sz="1600" dirty="0"/>
@@ -11449,19 +11375,15 @@
           <a:p>
             <a:pPr lvl="1"/>
             <a:r>
-              <a:rPr lang="en-US" altLang="ko-KR" sz="1800" dirty="0" smtClean="0"/>
+              <a:rPr lang="en-US" altLang="ko-KR" sz="1800" dirty="0"/>
               <a:t>pass</a:t>
             </a:r>
           </a:p>
           <a:p>
             <a:pPr lvl="2"/>
             <a:r>
-              <a:rPr lang="ko-KR" altLang="en-US" sz="1600" dirty="0" smtClean="0"/>
-              <a:t>특별한 </a:t>
-            </a:r>
-            <a:r>
               <a:rPr lang="ko-KR" altLang="en-US" sz="1600" dirty="0"/>
-              <a:t>작업이 없는 경우에는 </a:t>
+              <a:t>특별한 작업이 없는 경우에는 </a:t>
             </a:r>
             <a:r>
               <a:rPr lang="en-US" altLang="ko-KR" sz="1600" dirty="0"/>
@@ -11607,25 +11529,21 @@
             </a:r>
             <a:r>
               <a:rPr lang="ko-KR" altLang="en-US" sz="2000" dirty="0"/>
-              <a:t> 종료하는 </a:t>
-            </a:r>
-            <a:r>
-              <a:rPr lang="ko-KR" altLang="en-US" sz="2000" dirty="0" smtClean="0"/>
-              <a:t>프로그램</a:t>
-            </a:r>
-            <a:endParaRPr lang="en-US" altLang="ko-KR" sz="2000" dirty="0" smtClean="0"/>
-          </a:p>
-          <a:p>
+              <a:t> 종료하는 프로그램</a:t>
+            </a:r>
             <a:endParaRPr lang="en-US" altLang="ko-KR" sz="2000" dirty="0"/>
           </a:p>
           <a:p>
-            <a:endParaRPr lang="en-US" altLang="ko-KR" sz="2000" dirty="0" smtClean="0"/>
-          </a:p>
-          <a:p>
             <a:endParaRPr lang="en-US" altLang="ko-KR" sz="2000" dirty="0"/>
           </a:p>
           <a:p>
-            <a:endParaRPr lang="en-US" altLang="ko-KR" sz="2000" dirty="0" smtClean="0"/>
+            <a:endParaRPr lang="en-US" altLang="ko-KR" sz="2000" dirty="0"/>
+          </a:p>
+          <a:p>
+            <a:endParaRPr lang="en-US" altLang="ko-KR" sz="2000" dirty="0"/>
+          </a:p>
+          <a:p>
+            <a:endParaRPr lang="en-US" altLang="ko-KR" sz="2000" dirty="0"/>
           </a:p>
           <a:p>
             <a:r>
@@ -11874,16 +11792,12 @@
               <a:t>이 입력될 때까지 </a:t>
             </a:r>
             <a:r>
-              <a:rPr lang="ko-KR" altLang="en-US" sz="2400" dirty="0" err="1" smtClean="0"/>
+              <a:rPr lang="ko-KR" altLang="en-US" sz="2400" dirty="0" err="1"/>
               <a:t>입력받은</a:t>
             </a:r>
             <a:r>
-              <a:rPr lang="ko-KR" altLang="en-US" sz="2400" dirty="0" smtClean="0"/>
-              <a:t> 양수를 출력하는 </a:t>
-            </a:r>
-            <a:r>
               <a:rPr lang="ko-KR" altLang="en-US" sz="2400" dirty="0"/>
-              <a:t>예제</a:t>
+              <a:t> 양수를 출력하는 예제</a:t>
             </a:r>
           </a:p>
         </p:txBody>
@@ -11910,12 +11824,8 @@
           <a:lstStyle/>
           <a:p>
             <a:r>
-              <a:rPr lang="en-US" altLang="ko-KR" dirty="0" smtClean="0"/>
-              <a:t>while </a:t>
-            </a:r>
-            <a:r>
-              <a:rPr lang="en-US" altLang="ko-KR" dirty="0"/>
-              <a:t>True:</a:t>
+              <a:rPr lang="en-US" altLang="ko-KR" dirty="0"/>
+              <a:t>while True:</a:t>
             </a:r>
           </a:p>
           <a:p>
@@ -12459,12 +12369,12 @@
               <a:rPr lang="ko-KR" altLang="en-US" sz="2400" dirty="0"/>
               <a:t>숫자 맞추기 게임 </a:t>
             </a:r>
-            <a:endParaRPr lang="en-US" altLang="ko-KR" sz="2400" dirty="0" smtClean="0"/>
+            <a:endParaRPr lang="en-US" altLang="ko-KR" sz="2400" dirty="0"/>
           </a:p>
           <a:p>
             <a:pPr lvl="1"/>
             <a:r>
-              <a:rPr lang="en-US" altLang="ko-KR" sz="2000" dirty="0" smtClean="0"/>
+              <a:rPr lang="en-US" altLang="ko-KR" sz="2000" dirty="0"/>
               <a:t>1~100 </a:t>
             </a:r>
             <a:r>
@@ -12816,17 +12726,16 @@
               <a:rPr lang="en-US" altLang="ko-KR" sz="2000" dirty="0"/>
               <a:t>. </a:t>
             </a:r>
-            <a:endParaRPr lang="en-US" altLang="ko-KR" sz="2000" dirty="0" smtClean="0"/>
-          </a:p>
-          <a:p>
-            <a:endParaRPr lang="en-US" altLang="ko-KR" sz="2000" dirty="0" smtClean="0"/>
-          </a:p>
-          <a:p>
-            <a:r>
-              <a:rPr lang="ko-KR" altLang="en-US" sz="2000" dirty="0" smtClean="0"/>
+          </a:p>
+          <a:p>
+            <a:endParaRPr lang="en-US" altLang="ko-KR" sz="2000" dirty="0"/>
+          </a:p>
+          <a:p>
+            <a:r>
+              <a:rPr lang="ko-KR" altLang="en-US" sz="2000" dirty="0"/>
               <a:t>대표적인 함수</a:t>
             </a:r>
-            <a:endParaRPr lang="en-US" altLang="ko-KR" sz="2000" dirty="0" smtClean="0"/>
+            <a:endParaRPr lang="en-US" altLang="ko-KR" sz="2000" dirty="0"/>
           </a:p>
           <a:p>
             <a:pPr lvl="1"/>
@@ -12941,23 +12850,19 @@
               <a:t>을 반환합니다</a:t>
             </a:r>
             <a:r>
-              <a:rPr lang="en-US" altLang="ko-KR" sz="1600" dirty="0" smtClean="0"/>
+              <a:rPr lang="en-US" altLang="ko-KR" sz="1600" dirty="0"/>
               <a:t>.</a:t>
             </a:r>
           </a:p>
           <a:p>
             <a:pPr lvl="1"/>
             <a:r>
-              <a:rPr lang="en-US" altLang="ko-KR" sz="1600" dirty="0" smtClean="0"/>
+              <a:rPr lang="en-US" altLang="ko-KR" sz="1600" dirty="0"/>
               <a:t>choice(sequence):</a:t>
             </a:r>
             <a:r>
-              <a:rPr lang="ko-KR" altLang="en-US" sz="1600" dirty="0" smtClean="0"/>
-              <a:t> </a:t>
-            </a:r>
-            <a:r>
               <a:rPr lang="ko-KR" altLang="en-US" sz="1600" dirty="0"/>
-              <a:t>주어진 시퀀스에서 임의의 항목을 반환합니다</a:t>
+              <a:t> 주어진 시퀀스에서 임의의 항목을 반환합니다</a:t>
             </a:r>
             <a:r>
               <a:rPr lang="en-US" altLang="ko-KR" sz="1600" dirty="0"/>
@@ -13011,7 +12916,7 @@
               <a:t>의 항목을 무작위로 섞습니다</a:t>
             </a:r>
             <a:r>
-              <a:rPr lang="en-US" altLang="ko-KR" sz="1600" dirty="0" smtClean="0"/>
+              <a:rPr lang="en-US" altLang="ko-KR" sz="1600" dirty="0"/>
               <a:t>.</a:t>
             </a:r>
           </a:p>
@@ -13053,7 +12958,7 @@
               <a:rPr lang="ko-KR" altLang="en-US" sz="1600" dirty="0"/>
               <a:t> 뽑아 리스트로 반환하는 함수</a:t>
             </a:r>
-            <a:endParaRPr lang="en-US" altLang="ko-KR" sz="1600" dirty="0" smtClean="0"/>
+            <a:endParaRPr lang="en-US" altLang="ko-KR" sz="1600" dirty="0"/>
           </a:p>
           <a:p>
             <a:pPr lvl="1"/>
@@ -13109,16 +13014,12 @@
           <a:lstStyle/>
           <a:p>
             <a:r>
-              <a:rPr lang="ko-KR" altLang="en-US" sz="2400" dirty="0" err="1" smtClean="0"/>
+              <a:rPr lang="ko-KR" altLang="en-US" sz="2400" dirty="0" err="1"/>
               <a:t>입력받은</a:t>
             </a:r>
             <a:r>
-              <a:rPr lang="ko-KR" altLang="en-US" sz="2400" dirty="0" smtClean="0"/>
-              <a:t> </a:t>
-            </a:r>
-            <a:r>
               <a:rPr lang="ko-KR" altLang="en-US" sz="2400" dirty="0"/>
-              <a:t>수가 짝수인지 홀수인지 판별하는 예제</a:t>
+              <a:t> 수가 짝수인지 홀수인지 판별하는 예제</a:t>
             </a:r>
           </a:p>
         </p:txBody>
@@ -13145,151 +13046,150 @@
           <a:lstStyle/>
           <a:p>
             <a:r>
-              <a:rPr lang="en-US" altLang="ko-KR" dirty="0" smtClean="0"/>
+              <a:rPr lang="en-US" altLang="ko-KR" dirty="0"/>
               <a:t># </a:t>
             </a:r>
             <a:r>
-              <a:rPr lang="ko-KR" altLang="en-US" dirty="0" smtClean="0"/>
+              <a:rPr lang="ko-KR" altLang="en-US" dirty="0"/>
               <a:t>사용자로부터 숫자를 </a:t>
             </a:r>
             <a:r>
-              <a:rPr lang="ko-KR" altLang="en-US" dirty="0" err="1" smtClean="0"/>
+              <a:rPr lang="ko-KR" altLang="en-US" dirty="0" err="1"/>
               <a:t>입력받아</a:t>
             </a:r>
             <a:r>
-              <a:rPr lang="en-US" altLang="ko-KR" dirty="0" smtClean="0"/>
+              <a:rPr lang="en-US" altLang="ko-KR" dirty="0"/>
               <a:t>, </a:t>
             </a:r>
             <a:r>
-              <a:rPr lang="ko-KR" altLang="en-US" dirty="0" smtClean="0"/>
+              <a:rPr lang="ko-KR" altLang="en-US" dirty="0"/>
               <a:t>홀수인지 짝수인지 판별하기</a:t>
             </a:r>
           </a:p>
           <a:p>
             <a:r>
-              <a:rPr lang="en-US" altLang="ko-KR" dirty="0" err="1" smtClean="0"/>
+              <a:rPr lang="en-US" altLang="ko-KR" dirty="0" err="1"/>
               <a:t>num</a:t>
             </a:r>
             <a:r>
-              <a:rPr lang="en-US" altLang="ko-KR" dirty="0" smtClean="0"/>
+              <a:rPr lang="en-US" altLang="ko-KR" dirty="0"/>
               <a:t> = </a:t>
             </a:r>
             <a:r>
-              <a:rPr lang="en-US" altLang="ko-KR" dirty="0" err="1" smtClean="0"/>
+              <a:rPr lang="en-US" altLang="ko-KR" dirty="0" err="1"/>
               <a:t>int</a:t>
             </a:r>
             <a:r>
-              <a:rPr lang="en-US" altLang="ko-KR" dirty="0" smtClean="0"/>
+              <a:rPr lang="en-US" altLang="ko-KR" dirty="0"/>
               <a:t>(input("</a:t>
             </a:r>
             <a:r>
-              <a:rPr lang="ko-KR" altLang="en-US" dirty="0" smtClean="0"/>
+              <a:rPr lang="ko-KR" altLang="en-US" dirty="0"/>
               <a:t>숫자를 입력하세요</a:t>
             </a:r>
             <a:r>
-              <a:rPr lang="en-US" altLang="ko-KR" dirty="0" smtClean="0"/>
+              <a:rPr lang="en-US" altLang="ko-KR" dirty="0"/>
               <a:t>: "))</a:t>
             </a:r>
           </a:p>
           <a:p>
-            <a:endParaRPr lang="en-US" altLang="ko-KR" dirty="0" smtClean="0"/>
-          </a:p>
-          <a:p>
-            <a:r>
-              <a:rPr lang="en-US" altLang="ko-KR" dirty="0" smtClean="0"/>
+            <a:endParaRPr lang="en-US" altLang="ko-KR" dirty="0"/>
+          </a:p>
+          <a:p>
+            <a:r>
+              <a:rPr lang="en-US" altLang="ko-KR" dirty="0"/>
               <a:t>if </a:t>
             </a:r>
             <a:r>
-              <a:rPr lang="en-US" altLang="ko-KR" dirty="0" err="1" smtClean="0"/>
+              <a:rPr lang="en-US" altLang="ko-KR" dirty="0" err="1"/>
               <a:t>num</a:t>
             </a:r>
             <a:r>
-              <a:rPr lang="en-US" altLang="ko-KR" dirty="0" smtClean="0"/>
+              <a:rPr lang="en-US" altLang="ko-KR" dirty="0"/>
               <a:t> % 2 == 0:</a:t>
             </a:r>
           </a:p>
           <a:p>
             <a:r>
-              <a:rPr lang="en-US" altLang="ko-KR" dirty="0" smtClean="0"/>
+              <a:rPr lang="en-US" altLang="ko-KR" dirty="0"/>
               <a:t>    print(f"{</a:t>
             </a:r>
             <a:r>
-              <a:rPr lang="en-US" altLang="ko-KR" dirty="0" err="1" smtClean="0"/>
+              <a:rPr lang="en-US" altLang="ko-KR" dirty="0" err="1"/>
               <a:t>num</a:t>
             </a:r>
             <a:r>
-              <a:rPr lang="en-US" altLang="ko-KR" dirty="0" smtClean="0"/>
+              <a:rPr lang="en-US" altLang="ko-KR" dirty="0"/>
               <a:t>}</a:t>
             </a:r>
             <a:r>
-              <a:rPr lang="ko-KR" altLang="en-US" dirty="0" smtClean="0"/>
+              <a:rPr lang="ko-KR" altLang="en-US" dirty="0"/>
               <a:t>은</a:t>
             </a:r>
             <a:r>
-              <a:rPr lang="en-US" altLang="ko-KR" dirty="0" smtClean="0"/>
+              <a:rPr lang="en-US" altLang="ko-KR" dirty="0"/>
               <a:t>(</a:t>
             </a:r>
             <a:r>
-              <a:rPr lang="ko-KR" altLang="en-US" dirty="0" smtClean="0"/>
+              <a:rPr lang="ko-KR" altLang="en-US" dirty="0"/>
               <a:t>는</a:t>
             </a:r>
             <a:r>
-              <a:rPr lang="en-US" altLang="ko-KR" dirty="0" smtClean="0"/>
+              <a:rPr lang="en-US" altLang="ko-KR" dirty="0"/>
               <a:t>) </a:t>
             </a:r>
             <a:r>
-              <a:rPr lang="ko-KR" altLang="en-US" dirty="0" smtClean="0"/>
+              <a:rPr lang="ko-KR" altLang="en-US" dirty="0"/>
               <a:t>짝수입니다</a:t>
             </a:r>
             <a:r>
-              <a:rPr lang="en-US" altLang="ko-KR" dirty="0" smtClean="0"/>
+              <a:rPr lang="en-US" altLang="ko-KR" dirty="0"/>
               <a:t>.")</a:t>
             </a:r>
           </a:p>
           <a:p>
             <a:r>
-              <a:rPr lang="en-US" altLang="ko-KR" dirty="0" smtClean="0"/>
+              <a:rPr lang="en-US" altLang="ko-KR" dirty="0"/>
               <a:t>else:</a:t>
             </a:r>
           </a:p>
           <a:p>
             <a:r>
-              <a:rPr lang="en-US" altLang="ko-KR" dirty="0" smtClean="0"/>
+              <a:rPr lang="en-US" altLang="ko-KR" dirty="0"/>
               <a:t>    print(f"{</a:t>
             </a:r>
             <a:r>
-              <a:rPr lang="en-US" altLang="ko-KR" dirty="0" err="1" smtClean="0"/>
+              <a:rPr lang="en-US" altLang="ko-KR" dirty="0" err="1"/>
               <a:t>num</a:t>
             </a:r>
             <a:r>
-              <a:rPr lang="en-US" altLang="ko-KR" dirty="0" smtClean="0"/>
+              <a:rPr lang="en-US" altLang="ko-KR" dirty="0"/>
               <a:t>}</a:t>
             </a:r>
             <a:r>
-              <a:rPr lang="ko-KR" altLang="en-US" dirty="0" smtClean="0"/>
+              <a:rPr lang="ko-KR" altLang="en-US" dirty="0"/>
               <a:t>은</a:t>
             </a:r>
             <a:r>
-              <a:rPr lang="en-US" altLang="ko-KR" dirty="0" smtClean="0"/>
+              <a:rPr lang="en-US" altLang="ko-KR" dirty="0"/>
               <a:t>(</a:t>
             </a:r>
             <a:r>
-              <a:rPr lang="ko-KR" altLang="en-US" dirty="0" smtClean="0"/>
+              <a:rPr lang="ko-KR" altLang="en-US" dirty="0"/>
               <a:t>는</a:t>
             </a:r>
             <a:r>
-              <a:rPr lang="en-US" altLang="ko-KR" dirty="0" smtClean="0"/>
+              <a:rPr lang="en-US" altLang="ko-KR" dirty="0"/>
               <a:t>) </a:t>
             </a:r>
             <a:r>
-              <a:rPr lang="ko-KR" altLang="en-US" dirty="0" smtClean="0"/>
+              <a:rPr lang="ko-KR" altLang="en-US" dirty="0"/>
               <a:t>홀수입니다</a:t>
             </a:r>
             <a:r>
-              <a:rPr lang="en-US" altLang="ko-KR" dirty="0" smtClean="0"/>
+              <a:rPr lang="en-US" altLang="ko-KR" dirty="0"/>
               <a:t>.")</a:t>
             </a:r>
-            <a:endParaRPr lang="en-US" altLang="ko-KR" dirty="0"/>
           </a:p>
         </p:txBody>
       </p:sp>
@@ -13393,17 +13293,17 @@
             </a:r>
           </a:p>
           <a:p>
-            <a:endParaRPr lang="en-US" altLang="ko-KR" sz="2400" dirty="0" smtClean="0"/>
-          </a:p>
-          <a:p>
-            <a:endParaRPr lang="en-US" altLang="ko-KR" sz="2400" dirty="0" smtClean="0"/>
-          </a:p>
-          <a:p>
             <a:endParaRPr lang="en-US" altLang="ko-KR" sz="2400" dirty="0"/>
           </a:p>
           <a:p>
-            <a:r>
-              <a:rPr lang="ko-KR" altLang="en-US" sz="2400" dirty="0" smtClean="0"/>
+            <a:endParaRPr lang="en-US" altLang="ko-KR" sz="2400" dirty="0"/>
+          </a:p>
+          <a:p>
+            <a:endParaRPr lang="en-US" altLang="ko-KR" sz="2400" dirty="0"/>
+          </a:p>
+          <a:p>
+            <a:r>
+              <a:rPr lang="ko-KR" altLang="en-US" sz="2400" dirty="0"/>
               <a:t>리스트 </a:t>
             </a:r>
             <a:r>
@@ -13412,22 +13312,18 @@
             </a:r>
             <a:r>
               <a:rPr lang="ko-KR" altLang="en-US" sz="2400" dirty="0"/>
-              <a:t>에서 무작위로 선택된 하나의 과일을 </a:t>
-            </a:r>
-            <a:r>
-              <a:rPr lang="ko-KR" altLang="en-US" sz="2400" dirty="0" smtClean="0"/>
-              <a:t>출력</a:t>
-            </a:r>
-            <a:endParaRPr lang="en-US" altLang="ko-KR" sz="2400" dirty="0" smtClean="0"/>
-          </a:p>
-          <a:p>
+              <a:t>에서 무작위로 선택된 하나의 과일을 출력</a:t>
+            </a:r>
             <a:endParaRPr lang="en-US" altLang="ko-KR" sz="2400" dirty="0"/>
           </a:p>
           <a:p>
-            <a:endParaRPr lang="en-US" altLang="ko-KR" sz="2400" dirty="0" smtClean="0"/>
-          </a:p>
-          <a:p>
-            <a:endParaRPr lang="en-US" altLang="ko-KR" sz="2400" dirty="0" smtClean="0"/>
+            <a:endParaRPr lang="en-US" altLang="ko-KR" sz="2400" dirty="0"/>
+          </a:p>
+          <a:p>
+            <a:endParaRPr lang="en-US" altLang="ko-KR" sz="2400" dirty="0"/>
+          </a:p>
+          <a:p>
+            <a:endParaRPr lang="en-US" altLang="ko-KR" sz="2400" dirty="0"/>
           </a:p>
           <a:p>
             <a:r>
@@ -13440,15 +13336,7 @@
             </a:r>
             <a:r>
               <a:rPr lang="ko-KR" altLang="en-US" sz="2400" dirty="0"/>
-              <a:t>의 항목을 무작위로 </a:t>
-            </a:r>
-            <a:r>
-              <a:rPr lang="ko-KR" altLang="en-US" sz="2400" dirty="0" smtClean="0"/>
-              <a:t>섞</a:t>
-            </a:r>
-            <a:r>
-              <a:rPr lang="ko-KR" altLang="en-US" sz="2400" dirty="0"/>
-              <a:t>기</a:t>
+              <a:t>의 항목을 무작위로 섞기</a:t>
             </a:r>
           </a:p>
         </p:txBody>
@@ -13499,11 +13387,7 @@
             </a:r>
             <a:r>
               <a:rPr lang="en-US" altLang="ko-KR" dirty="0"/>
-              <a:t>(fruits</a:t>
-            </a:r>
-            <a:r>
-              <a:rPr lang="en-US" altLang="ko-KR" dirty="0" smtClean="0"/>
-              <a:t>))</a:t>
+              <a:t>(fruits))</a:t>
             </a:r>
             <a:endParaRPr lang="ko-KR" altLang="en-US" dirty="0"/>
           </a:p>
@@ -13716,28 +13600,20 @@
               <a:t>시퀀스 </a:t>
             </a:r>
             <a:r>
-              <a:rPr lang="ko-KR" altLang="en-US" sz="2000" dirty="0" err="1" smtClean="0"/>
+              <a:rPr lang="ko-KR" altLang="en-US" sz="2000" dirty="0" err="1"/>
               <a:t>자료형에서</a:t>
             </a:r>
             <a:r>
-              <a:rPr lang="ko-KR" altLang="en-US" sz="2000" dirty="0" smtClean="0"/>
-              <a:t> </a:t>
-            </a:r>
-            <a:r>
-              <a:rPr lang="ko-KR" altLang="en-US" sz="2000" dirty="0"/>
-              <a:t>중복 없이 </a:t>
-            </a:r>
-            <a:r>
-              <a:rPr lang="en-US" altLang="ko-KR" sz="2000" dirty="0" smtClean="0"/>
+              <a:rPr lang="ko-KR" altLang="en-US" sz="2000" dirty="0"/>
+              <a:t> 중복 없이 </a:t>
+            </a:r>
+            <a:r>
+              <a:rPr lang="en-US" altLang="ko-KR" sz="2000" dirty="0"/>
               <a:t>n</a:t>
             </a:r>
             <a:r>
-              <a:rPr lang="ko-KR" altLang="en-US" sz="2000" dirty="0" smtClean="0"/>
-              <a:t>개의 </a:t>
-            </a:r>
-            <a:r>
-              <a:rPr lang="ko-KR" altLang="en-US" sz="2000" dirty="0"/>
-              <a:t>요소를 </a:t>
+              <a:rPr lang="ko-KR" altLang="en-US" sz="2000" dirty="0"/>
+              <a:t>개의 요소를 </a:t>
             </a:r>
             <a:r>
               <a:rPr lang="ko-KR" altLang="en-US" sz="2000" dirty="0" err="1"/>
@@ -13745,40 +13621,32 @@
             </a:r>
             <a:r>
               <a:rPr lang="ko-KR" altLang="en-US" sz="2000" dirty="0"/>
-              <a:t> 뽑아 리스트로 </a:t>
-            </a:r>
-            <a:r>
-              <a:rPr lang="ko-KR" altLang="en-US" sz="2000" dirty="0" smtClean="0"/>
-              <a:t>반환하기</a:t>
-            </a:r>
-            <a:endParaRPr lang="en-US" altLang="ko-KR" sz="2000" dirty="0" smtClean="0"/>
-          </a:p>
-          <a:p>
+              <a:t> 뽑아 리스트로 반환하기</a:t>
+            </a:r>
             <a:endParaRPr lang="en-US" altLang="ko-KR" sz="2000" dirty="0"/>
           </a:p>
           <a:p>
-            <a:endParaRPr lang="en-US" altLang="ko-KR" sz="2000" dirty="0" smtClean="0"/>
-          </a:p>
-          <a:p>
             <a:endParaRPr lang="en-US" altLang="ko-KR" sz="2000" dirty="0"/>
           </a:p>
           <a:p>
-            <a:endParaRPr lang="en-US" altLang="ko-KR" sz="2000" dirty="0" smtClean="0"/>
-          </a:p>
-          <a:p>
-            <a:endParaRPr lang="en-US" altLang="ko-KR" sz="2000" dirty="0" smtClean="0"/>
-          </a:p>
-          <a:p>
             <a:endParaRPr lang="en-US" altLang="ko-KR" sz="2000" dirty="0"/>
           </a:p>
           <a:p>
-            <a:r>
-              <a:rPr lang="ko-KR" altLang="en-US" sz="2000" dirty="0" smtClean="0"/>
-              <a:t>무작위의 </a:t>
-            </a:r>
-            <a:r>
-              <a:rPr lang="ko-KR" altLang="en-US" sz="2000" dirty="0"/>
-              <a:t>도시와 날씨를 출력하는 예제</a:t>
+            <a:endParaRPr lang="en-US" altLang="ko-KR" sz="2000" dirty="0"/>
+          </a:p>
+          <a:p>
+            <a:endParaRPr lang="en-US" altLang="ko-KR" sz="2000" dirty="0"/>
+          </a:p>
+          <a:p>
+            <a:endParaRPr lang="en-US" altLang="ko-KR" sz="2000" dirty="0"/>
+          </a:p>
+          <a:p>
+            <a:endParaRPr lang="en-US" altLang="ko-KR" sz="2000" dirty="0"/>
+          </a:p>
+          <a:p>
+            <a:r>
+              <a:rPr lang="ko-KR" altLang="en-US" sz="2000" dirty="0"/>
+              <a:t>무작위의 도시와 날씨를 출력하는 예제</a:t>
             </a:r>
           </a:p>
         </p:txBody>
@@ -14566,45 +14434,44 @@
           <a:lstStyle/>
           <a:p>
             <a:r>
-              <a:rPr lang="ko-KR" altLang="en-US" sz="2000" dirty="0" smtClean="0"/>
+              <a:rPr lang="ko-KR" altLang="en-US" sz="2000" dirty="0"/>
               <a:t>숫자 맞추기 게임 프로그램</a:t>
             </a:r>
-            <a:endParaRPr lang="en-US" altLang="ko-KR" sz="2000" dirty="0" smtClean="0"/>
-          </a:p>
-          <a:p>
-            <a:r>
-              <a:rPr lang="en-US" altLang="ko-KR" sz="2000" dirty="0" smtClean="0"/>
+            <a:endParaRPr lang="en-US" altLang="ko-KR" sz="2000" dirty="0"/>
+          </a:p>
+          <a:p>
+            <a:r>
+              <a:rPr lang="en-US" altLang="ko-KR" sz="2000" dirty="0"/>
               <a:t>1~100 </a:t>
             </a:r>
             <a:r>
-              <a:rPr lang="ko-KR" altLang="en-US" sz="2000" dirty="0" smtClean="0"/>
+              <a:rPr lang="ko-KR" altLang="en-US" sz="2000" dirty="0"/>
               <a:t>사이의 </a:t>
             </a:r>
             <a:r>
-              <a:rPr lang="ko-KR" altLang="en-US" sz="2000" dirty="0" err="1" smtClean="0"/>
+              <a:rPr lang="ko-KR" altLang="en-US" sz="2000" dirty="0" err="1"/>
               <a:t>난수를</a:t>
             </a:r>
             <a:r>
-              <a:rPr lang="ko-KR" altLang="en-US" sz="2000" dirty="0" smtClean="0"/>
+              <a:rPr lang="ko-KR" altLang="en-US" sz="2000" dirty="0"/>
               <a:t> 만들고 사용자가 </a:t>
             </a:r>
             <a:r>
-              <a:rPr lang="en-US" altLang="ko-KR" sz="2000" dirty="0" smtClean="0"/>
+              <a:rPr lang="en-US" altLang="ko-KR" sz="2000" dirty="0"/>
               <a:t>1~100 </a:t>
             </a:r>
             <a:r>
-              <a:rPr lang="ko-KR" altLang="en-US" sz="2000" dirty="0" smtClean="0"/>
+              <a:rPr lang="ko-KR" altLang="en-US" sz="2000" dirty="0"/>
               <a:t>사이의 수를 입력하여 맞추는 프로그램</a:t>
             </a:r>
             <a:r>
-              <a:rPr lang="en-US" altLang="ko-KR" sz="2000" dirty="0" smtClean="0"/>
+              <a:rPr lang="en-US" altLang="ko-KR" sz="2000" dirty="0"/>
               <a:t>. 5</a:t>
             </a:r>
             <a:r>
-              <a:rPr lang="ko-KR" altLang="en-US" sz="2000" dirty="0" smtClean="0"/>
+              <a:rPr lang="ko-KR" altLang="en-US" sz="2000" dirty="0"/>
               <a:t>회까지 맞추지 못하면 종료</a:t>
             </a:r>
-            <a:endParaRPr lang="ko-KR" altLang="en-US" sz="2000" dirty="0"/>
           </a:p>
         </p:txBody>
       </p:sp>
@@ -14631,14 +14498,13 @@
           <a:lstStyle/>
           <a:p>
             <a:r>
-              <a:rPr lang="ko-KR" altLang="en-US" sz="3600" dirty="0" err="1" smtClean="0"/>
+              <a:rPr lang="ko-KR" altLang="en-US" sz="3600" dirty="0" err="1"/>
               <a:t>제어문</a:t>
             </a:r>
             <a:r>
-              <a:rPr lang="ko-KR" altLang="en-US" sz="3600" dirty="0" smtClean="0"/>
+              <a:rPr lang="ko-KR" altLang="en-US" sz="3600" dirty="0"/>
               <a:t> 예제</a:t>
             </a:r>
-            <a:endParaRPr lang="ko-KR" altLang="en-US" sz="3600" dirty="0"/>
           </a:p>
         </p:txBody>
       </p:sp>
@@ -14652,13 +14518,6 @@
   <p:clrMapOvr>
     <a:masterClrMapping/>
   </p:clrMapOvr>
-  <p:timing>
-    <p:tnLst>
-      <p:par>
-        <p:cTn id="1" dur="indefinite" restart="never" nodeType="tmRoot"/>
-      </p:par>
-    </p:tnLst>
-  </p:timing>
 </p:sld>
 </file>
 
@@ -14697,11 +14556,11 @@
           <a:lstStyle/>
           <a:p>
             <a:r>
-              <a:rPr lang="ko-KR" altLang="en-US" sz="2000" dirty="0" smtClean="0"/>
+              <a:rPr lang="ko-KR" altLang="en-US" sz="2000" dirty="0"/>
               <a:t>다음과 같은 게임 프로그램을 작성하라</a:t>
             </a:r>
             <a:r>
-              <a:rPr lang="en-US" altLang="ko-KR" sz="2000" dirty="0" smtClean="0"/>
+              <a:rPr lang="en-US" altLang="ko-KR" sz="2000" dirty="0"/>
               <a:t>.</a:t>
             </a:r>
           </a:p>
@@ -14710,91 +14569,83 @@
               <a:buNone/>
             </a:pPr>
             <a:r>
-              <a:rPr lang="ko-KR" altLang="en-US" sz="2000" dirty="0" smtClean="0"/>
+              <a:rPr lang="ko-KR" altLang="en-US" sz="2000" dirty="0"/>
               <a:t>플레이어가 처음에 </a:t>
             </a:r>
             <a:r>
-              <a:rPr lang="en-US" altLang="ko-KR" sz="2000" dirty="0" smtClean="0"/>
+              <a:rPr lang="en-US" altLang="ko-KR" sz="2000" dirty="0"/>
               <a:t>$50</a:t>
             </a:r>
             <a:r>
-              <a:rPr lang="ko-KR" altLang="en-US" sz="2000" dirty="0" smtClean="0"/>
+              <a:rPr lang="ko-KR" altLang="en-US" sz="2000" dirty="0"/>
               <a:t>을 가지고 있다</a:t>
             </a:r>
             <a:r>
-              <a:rPr lang="en-US" altLang="ko-KR" sz="2000" dirty="0" smtClean="0"/>
+              <a:rPr lang="en-US" altLang="ko-KR" sz="2000" dirty="0"/>
               <a:t>. </a:t>
             </a:r>
             <a:r>
-              <a:rPr lang="ko-KR" altLang="en-US" sz="2000" dirty="0" smtClean="0"/>
-              <a:t>동전을 </a:t>
-            </a:r>
-            <a:r>
-              <a:rPr lang="ko-KR" altLang="en-US" sz="2000" dirty="0"/>
-              <a:t>한 번 </a:t>
-            </a:r>
-            <a:r>
-              <a:rPr lang="ko-KR" altLang="en-US" sz="2000" dirty="0" smtClean="0"/>
-              <a:t>던져서 앞면</a:t>
-            </a:r>
-            <a:r>
-              <a:rPr lang="en-US" altLang="ko-KR" sz="2000" dirty="0" smtClean="0"/>
+              <a:rPr lang="ko-KR" altLang="en-US" sz="2000" dirty="0"/>
+              <a:t>동전을 한 번 던져서 앞면</a:t>
+            </a:r>
+            <a:r>
+              <a:rPr lang="en-US" altLang="ko-KR" sz="2000" dirty="0"/>
               <a:t>(1) </a:t>
             </a:r>
             <a:r>
-              <a:rPr lang="ko-KR" altLang="en-US" sz="2000" dirty="0" smtClean="0"/>
+              <a:rPr lang="ko-KR" altLang="en-US" sz="2000" dirty="0"/>
               <a:t>또는 뒷면</a:t>
             </a:r>
             <a:r>
-              <a:rPr lang="en-US" altLang="ko-KR" sz="2000" dirty="0" smtClean="0"/>
+              <a:rPr lang="en-US" altLang="ko-KR" sz="2000" dirty="0"/>
               <a:t>(2)</a:t>
             </a:r>
             <a:r>
-              <a:rPr lang="ko-KR" altLang="en-US" sz="2000" dirty="0" smtClean="0"/>
+              <a:rPr lang="ko-KR" altLang="en-US" sz="2000" dirty="0"/>
               <a:t>이 나온다</a:t>
             </a:r>
             <a:r>
-              <a:rPr lang="en-US" altLang="ko-KR" sz="2000" dirty="0" smtClean="0"/>
+              <a:rPr lang="en-US" altLang="ko-KR" sz="2000" dirty="0"/>
               <a:t>. </a:t>
             </a:r>
             <a:r>
-              <a:rPr lang="ko-KR" altLang="en-US" sz="2000" dirty="0" smtClean="0"/>
+              <a:rPr lang="ko-KR" altLang="en-US" sz="2000" dirty="0"/>
               <a:t>맞추면 </a:t>
             </a:r>
             <a:r>
-              <a:rPr lang="en-US" altLang="ko-KR" sz="2000" dirty="0" smtClean="0"/>
+              <a:rPr lang="en-US" altLang="ko-KR" sz="2000" dirty="0"/>
               <a:t>$9</a:t>
             </a:r>
             <a:r>
-              <a:rPr lang="ko-KR" altLang="en-US" sz="2000" dirty="0" smtClean="0"/>
+              <a:rPr lang="ko-KR" altLang="en-US" sz="2000" dirty="0"/>
               <a:t>을 따고 틀리면 </a:t>
             </a:r>
             <a:r>
-              <a:rPr lang="en-US" altLang="ko-KR" sz="2000" dirty="0" smtClean="0"/>
+              <a:rPr lang="en-US" altLang="ko-KR" sz="2000" dirty="0"/>
               <a:t>$10</a:t>
             </a:r>
             <a:r>
-              <a:rPr lang="ko-KR" altLang="en-US" sz="2000" dirty="0" smtClean="0"/>
+              <a:rPr lang="ko-KR" altLang="en-US" sz="2000" dirty="0"/>
               <a:t>을 잃는다</a:t>
             </a:r>
             <a:r>
-              <a:rPr lang="en-US" altLang="ko-KR" sz="2000" dirty="0" smtClean="0"/>
+              <a:rPr lang="en-US" altLang="ko-KR" sz="2000" dirty="0"/>
               <a:t>. </a:t>
             </a:r>
             <a:r>
-              <a:rPr lang="ko-KR" altLang="en-US" sz="2000" dirty="0" smtClean="0"/>
+              <a:rPr lang="ko-KR" altLang="en-US" sz="2000" dirty="0"/>
               <a:t>플레이어가 돈을 모두 잃거나 </a:t>
             </a:r>
             <a:r>
-              <a:rPr lang="en-US" altLang="ko-KR" sz="2000" dirty="0" smtClean="0"/>
+              <a:rPr lang="en-US" altLang="ko-KR" sz="2000" dirty="0"/>
               <a:t>$100</a:t>
             </a:r>
             <a:r>
-              <a:rPr lang="ko-KR" altLang="en-US" sz="2000" dirty="0" smtClean="0"/>
+              <a:rPr lang="ko-KR" altLang="en-US" sz="2000" dirty="0"/>
               <a:t>이 되면 게임이 종료된다</a:t>
             </a:r>
             <a:r>
-              <a:rPr lang="en-US" altLang="ko-KR" sz="2000" dirty="0" smtClean="0"/>
+              <a:rPr lang="en-US" altLang="ko-KR" sz="2000" dirty="0"/>
               <a:t>.</a:t>
             </a:r>
           </a:p>
@@ -14803,63 +14654,55 @@
               <a:buNone/>
             </a:pPr>
             <a:r>
-              <a:rPr lang="ko-KR" altLang="en-US" sz="2000" dirty="0" smtClean="0"/>
+              <a:rPr lang="ko-KR" altLang="en-US" sz="2000" dirty="0"/>
               <a:t>동전을 던져서 나오는 수는 다음 문장을 이용하라</a:t>
             </a:r>
             <a:r>
-              <a:rPr lang="en-US" altLang="ko-KR" sz="2000" dirty="0" smtClean="0"/>
+              <a:rPr lang="en-US" altLang="ko-KR" sz="2000" dirty="0"/>
               <a:t>.</a:t>
             </a:r>
             <a:br>
-              <a:rPr lang="en-US" altLang="ko-KR" sz="2000" dirty="0" smtClean="0"/>
+              <a:rPr lang="en-US" altLang="ko-KR" sz="2000" dirty="0"/>
             </a:br>
-            <a:r>
-              <a:rPr lang="en-US" altLang="ko-KR" sz="2000" dirty="0" smtClean="0"/>
-              <a:t/>
-            </a:r>
             <a:br>
-              <a:rPr lang="en-US" altLang="ko-KR" sz="2000" dirty="0" smtClean="0"/>
+              <a:rPr lang="en-US" altLang="ko-KR" sz="2000" dirty="0"/>
             </a:br>
             <a:r>
-              <a:rPr lang="en-US" altLang="ko-KR" sz="2000" dirty="0" smtClean="0"/>
+              <a:rPr lang="en-US" altLang="ko-KR" sz="2000" dirty="0"/>
               <a:t>from random import </a:t>
             </a:r>
             <a:r>
-              <a:rPr lang="en-US" altLang="ko-KR" sz="2000" dirty="0" err="1" smtClean="0"/>
+              <a:rPr lang="en-US" altLang="ko-KR" sz="2000" dirty="0" err="1"/>
               <a:t>randint</a:t>
             </a:r>
-            <a:r>
-              <a:rPr lang="en-US" altLang="ko-KR" sz="2000" dirty="0" smtClean="0"/>
-              <a:t/>
-            </a:r>
             <a:br>
-              <a:rPr lang="en-US" altLang="ko-KR" sz="2000" dirty="0" smtClean="0"/>
+              <a:rPr lang="en-US" altLang="ko-KR" sz="2000" dirty="0"/>
             </a:br>
             <a:r>
-              <a:rPr lang="en-US" altLang="ko-KR" sz="2000" dirty="0" smtClean="0"/>
+              <a:rPr lang="en-US" altLang="ko-KR" sz="2000" dirty="0"/>
               <a:t>coin = </a:t>
             </a:r>
             <a:r>
-              <a:rPr lang="en-US" altLang="ko-KR" sz="2000" dirty="0" err="1" smtClean="0"/>
+              <a:rPr lang="en-US" altLang="ko-KR" sz="2000" dirty="0" err="1"/>
               <a:t>randint</a:t>
             </a:r>
             <a:r>
-              <a:rPr lang="en-US" altLang="ko-KR" sz="2000" dirty="0" smtClean="0"/>
+              <a:rPr lang="en-US" altLang="ko-KR" sz="2000" dirty="0"/>
               <a:t>(1,2) #1 </a:t>
             </a:r>
             <a:r>
-              <a:rPr lang="ko-KR" altLang="en-US" sz="2000" dirty="0" smtClean="0"/>
+              <a:rPr lang="ko-KR" altLang="en-US" sz="2000" dirty="0"/>
               <a:t>또는 </a:t>
             </a:r>
             <a:r>
-              <a:rPr lang="en-US" altLang="ko-KR" sz="2000" dirty="0" smtClean="0"/>
+              <a:rPr lang="en-US" altLang="ko-KR" sz="2000" dirty="0"/>
               <a:t>2</a:t>
             </a:r>
             <a:r>
-              <a:rPr lang="ko-KR" altLang="en-US" sz="2000" dirty="0" smtClean="0"/>
+              <a:rPr lang="ko-KR" altLang="en-US" sz="2000" dirty="0"/>
               <a:t>를 임의로 발생</a:t>
             </a:r>
-            <a:endParaRPr lang="en-US" altLang="ko-KR" sz="2000" dirty="0" smtClean="0"/>
+            <a:endParaRPr lang="en-US" altLang="ko-KR" sz="2000" dirty="0"/>
           </a:p>
         </p:txBody>
       </p:sp>
@@ -14886,10 +14729,9 @@
           <a:lstStyle/>
           <a:p>
             <a:r>
-              <a:rPr lang="ko-KR" altLang="en-US" sz="3600" dirty="0" smtClean="0"/>
+              <a:rPr lang="ko-KR" altLang="en-US" sz="3600" dirty="0"/>
               <a:t>연습문제</a:t>
             </a:r>
-            <a:endParaRPr lang="ko-KR" altLang="en-US" sz="3600" dirty="0"/>
           </a:p>
         </p:txBody>
       </p:sp>
@@ -14903,13 +14745,6 @@
   <p:clrMapOvr>
     <a:masterClrMapping/>
   </p:clrMapOvr>
-  <p:timing>
-    <p:tnLst>
-      <p:par>
-        <p:cTn id="1" dur="indefinite" restart="never" nodeType="tmRoot"/>
-      </p:par>
-    </p:tnLst>
-  </p:timing>
 </p:sld>
 </file>
 
@@ -14948,86 +14783,86 @@
           <a:lstStyle/>
           <a:p>
             <a:r>
-              <a:rPr lang="ko-KR" altLang="en-US" sz="2400" dirty="0" smtClean="0"/>
+              <a:rPr lang="ko-KR" altLang="en-US" sz="2400" dirty="0"/>
               <a:t>두 수의 최대 공약수는 두 수를 나누어 떨어지는 가장 큰 수이다</a:t>
             </a:r>
             <a:r>
-              <a:rPr lang="en-US" altLang="ko-KR" sz="2400" dirty="0" smtClean="0"/>
+              <a:rPr lang="en-US" altLang="ko-KR" sz="2400" dirty="0"/>
               <a:t>. </a:t>
             </a:r>
             <a:r>
-              <a:rPr lang="ko-KR" altLang="en-US" sz="2400" dirty="0" smtClean="0"/>
+              <a:rPr lang="ko-KR" altLang="en-US" sz="2400" dirty="0"/>
               <a:t>예를 들어 </a:t>
             </a:r>
             <a:r>
-              <a:rPr lang="en-US" altLang="ko-KR" sz="2400" dirty="0" smtClean="0"/>
+              <a:rPr lang="en-US" altLang="ko-KR" sz="2400" dirty="0"/>
               <a:t>(16, 24)</a:t>
             </a:r>
             <a:r>
-              <a:rPr lang="ko-KR" altLang="en-US" sz="2400" dirty="0" smtClean="0"/>
+              <a:rPr lang="ko-KR" altLang="en-US" sz="2400" dirty="0"/>
               <a:t>의 최대 공약수는 </a:t>
             </a:r>
             <a:r>
-              <a:rPr lang="en-US" altLang="ko-KR" sz="2400" dirty="0" smtClean="0"/>
+              <a:rPr lang="en-US" altLang="ko-KR" sz="2400" dirty="0"/>
               <a:t>8</a:t>
             </a:r>
             <a:r>
-              <a:rPr lang="ko-KR" altLang="en-US" sz="2400" dirty="0" smtClean="0"/>
+              <a:rPr lang="ko-KR" altLang="en-US" sz="2400" dirty="0"/>
               <a:t>이다</a:t>
             </a:r>
             <a:r>
-              <a:rPr lang="en-US" altLang="ko-KR" sz="2400" dirty="0" smtClean="0"/>
+              <a:rPr lang="en-US" altLang="ko-KR" sz="2400" dirty="0"/>
               <a:t>. </a:t>
             </a:r>
             <a:r>
-              <a:rPr lang="ko-KR" altLang="en-US" sz="2400" dirty="0" smtClean="0"/>
+              <a:rPr lang="ko-KR" altLang="en-US" sz="2400" dirty="0"/>
               <a:t>두 수를 입력 받아 다음 알고리즘에 의해 최대 공약수를 구하는 프로그램을 작성하라</a:t>
             </a:r>
             <a:r>
-              <a:rPr lang="en-US" altLang="ko-KR" sz="2400" dirty="0" smtClean="0"/>
+              <a:rPr lang="en-US" altLang="ko-KR" sz="2400" dirty="0"/>
               <a:t>.</a:t>
             </a:r>
           </a:p>
           <a:p>
             <a:pPr lvl="1"/>
             <a:r>
-              <a:rPr lang="ko-KR" altLang="en-US" sz="1600" dirty="0" smtClean="0"/>
+              <a:rPr lang="ko-KR" altLang="en-US" sz="1600" dirty="0"/>
               <a:t>큰 수를 작은 수로 나눈 나머지를 구하라</a:t>
             </a:r>
-            <a:endParaRPr lang="en-US" altLang="ko-KR" sz="1600" dirty="0" smtClean="0"/>
+            <a:endParaRPr lang="en-US" altLang="ko-KR" sz="1600" dirty="0"/>
           </a:p>
           <a:p>
             <a:pPr lvl="1"/>
             <a:r>
-              <a:rPr lang="ko-KR" altLang="en-US" sz="1600" dirty="0" smtClean="0"/>
+              <a:rPr lang="ko-KR" altLang="en-US" sz="1600" dirty="0"/>
               <a:t>큰 수를 작은 수로 대체하고 작은 수는 나머지로 대체하라</a:t>
             </a:r>
-            <a:endParaRPr lang="en-US" altLang="ko-KR" sz="1600" dirty="0" smtClean="0"/>
+            <a:endParaRPr lang="en-US" altLang="ko-KR" sz="1600" dirty="0"/>
           </a:p>
           <a:p>
             <a:pPr lvl="1"/>
             <a:r>
-              <a:rPr lang="ko-KR" altLang="en-US" sz="1600" dirty="0" smtClean="0"/>
+              <a:rPr lang="ko-KR" altLang="en-US" sz="1600" dirty="0"/>
               <a:t>작은 수가 </a:t>
             </a:r>
             <a:r>
-              <a:rPr lang="en-US" altLang="ko-KR" sz="1600" dirty="0" smtClean="0"/>
+              <a:rPr lang="en-US" altLang="ko-KR" sz="1600" dirty="0"/>
               <a:t>0</a:t>
             </a:r>
             <a:r>
-              <a:rPr lang="ko-KR" altLang="en-US" sz="1600" dirty="0" smtClean="0"/>
+              <a:rPr lang="ko-KR" altLang="en-US" sz="1600" dirty="0"/>
               <a:t>이 될 때까지 이 과정을 반목하라</a:t>
             </a:r>
             <a:r>
-              <a:rPr lang="en-US" altLang="ko-KR" sz="1600" dirty="0" smtClean="0"/>
+              <a:rPr lang="en-US" altLang="ko-KR" sz="1600" dirty="0"/>
               <a:t>. </a:t>
             </a:r>
             <a:r>
-              <a:rPr lang="ko-KR" altLang="en-US" sz="1600" dirty="0" smtClean="0"/>
+              <a:rPr lang="ko-KR" altLang="en-US" sz="1600" dirty="0"/>
               <a:t>마지막 큰 수가 최대 공약수이다</a:t>
             </a:r>
             <a:r>
-              <a:rPr lang="en-US" altLang="ko-KR" sz="1600" dirty="0" smtClean="0"/>
+              <a:rPr lang="en-US" altLang="ko-KR" sz="1600" dirty="0"/>
               <a:t>.</a:t>
             </a:r>
             <a:endParaRPr lang="ko-KR" altLang="en-US" sz="1600" dirty="0"/>
@@ -15057,10 +14892,9 @@
           <a:lstStyle/>
           <a:p>
             <a:r>
-              <a:rPr lang="ko-KR" altLang="en-US" dirty="0" smtClean="0"/>
+              <a:rPr lang="ko-KR" altLang="en-US" dirty="0"/>
               <a:t>연습문제</a:t>
             </a:r>
-            <a:endParaRPr lang="ko-KR" altLang="en-US" dirty="0"/>
           </a:p>
         </p:txBody>
       </p:sp>
@@ -15074,13 +14908,6 @@
   <p:clrMapOvr>
     <a:masterClrMapping/>
   </p:clrMapOvr>
-  <p:timing>
-    <p:tnLst>
-      <p:par>
-        <p:cTn id="1" dur="indefinite" restart="never" nodeType="tmRoot"/>
-      </p:par>
-    </p:tnLst>
-  </p:timing>
 </p:sld>
 </file>
 
@@ -15123,12 +14950,8 @@
               <a:buAutoNum type="arabicPeriod"/>
             </a:pPr>
             <a:r>
-              <a:rPr lang="ko-KR" altLang="en-US" sz="2000" dirty="0" smtClean="0"/>
+              <a:rPr lang="ko-KR" altLang="en-US" sz="2000" dirty="0"/>
               <a:t>정수를 입력 받아 그 수의 약수를 모두 출력하는 프로그램을 작성하라</a:t>
-            </a:r>
-            <a:r>
-              <a:rPr lang="en-US" altLang="ko-KR" sz="2000" dirty="0"/>
-              <a:t/>
             </a:r>
             <a:br>
               <a:rPr lang="en-US" altLang="ko-KR" sz="2000" dirty="0"/>
@@ -15162,19 +14985,19 @@
               <a:t>. </a:t>
             </a:r>
             <a:r>
-              <a:rPr lang="ko-KR" altLang="en-US" sz="2000" dirty="0" smtClean="0"/>
+              <a:rPr lang="ko-KR" altLang="en-US" sz="2000" dirty="0"/>
               <a:t>예를 들어 </a:t>
             </a:r>
             <a:r>
-              <a:rPr lang="en-US" altLang="ko-KR" sz="2000" dirty="0" smtClean="0"/>
+              <a:rPr lang="en-US" altLang="ko-KR" sz="2000" dirty="0"/>
               <a:t>12</a:t>
             </a:r>
             <a:r>
-              <a:rPr lang="ko-KR" altLang="en-US" sz="2000" dirty="0" smtClean="0"/>
+              <a:rPr lang="ko-KR" altLang="en-US" sz="2000" dirty="0"/>
               <a:t>의 약수는 </a:t>
             </a:r>
             <a:r>
-              <a:rPr lang="en-US" altLang="ko-KR" sz="2000" dirty="0" smtClean="0"/>
+              <a:rPr lang="en-US" altLang="ko-KR" sz="2000" dirty="0"/>
               <a:t>1, 2, 3, 4,</a:t>
             </a:r>
             <a:r>
@@ -15182,133 +15005,16 @@
               <a:t> </a:t>
             </a:r>
             <a:r>
-              <a:rPr lang="en-US" altLang="ko-KR" sz="2000" dirty="0" smtClean="0"/>
+              <a:rPr lang="en-US" altLang="ko-KR" sz="2000" dirty="0"/>
               <a:t>6, 12</a:t>
             </a:r>
             <a:r>
-              <a:rPr lang="ko-KR" altLang="en-US" sz="2000" dirty="0" smtClean="0"/>
+              <a:rPr lang="ko-KR" altLang="en-US" sz="2000" dirty="0"/>
               <a:t>이다</a:t>
-            </a:r>
-            <a:r>
-              <a:rPr lang="en-US" altLang="ko-KR" sz="2000" dirty="0" smtClean="0"/>
-              <a:t>. </a:t>
-            </a:r>
-          </a:p>
-          <a:p>
-            <a:pPr marL="457200" indent="-457200">
-              <a:buFont typeface="+mj-lt"/>
-              <a:buAutoNum type="arabicPeriod"/>
-            </a:pPr>
-            <a:endParaRPr lang="en-US" altLang="ko-KR" sz="2000" dirty="0" smtClean="0"/>
-          </a:p>
-          <a:p>
-            <a:pPr marL="457200" indent="-457200">
-              <a:buFont typeface="+mj-lt"/>
-              <a:buAutoNum type="arabicPeriod"/>
-            </a:pPr>
-            <a:r>
-              <a:rPr lang="ko-KR" altLang="en-US" sz="2000" dirty="0" err="1" smtClean="0"/>
-              <a:t>반복문과</a:t>
-            </a:r>
-            <a:r>
-              <a:rPr lang="ko-KR" altLang="en-US" sz="2000" dirty="0" smtClean="0"/>
-              <a:t> </a:t>
-            </a:r>
-            <a:r>
-              <a:rPr lang="ko-KR" altLang="en-US" sz="2000" dirty="0" err="1"/>
-              <a:t>조건문을</a:t>
-            </a:r>
-            <a:r>
-              <a:rPr lang="ko-KR" altLang="en-US" sz="2000" dirty="0"/>
-              <a:t> 사용해 점수를 계속 </a:t>
-            </a:r>
-            <a:r>
-              <a:rPr lang="ko-KR" altLang="en-US" sz="2000" dirty="0" smtClean="0"/>
-              <a:t>입력 받아 </a:t>
-            </a:r>
-            <a:r>
-              <a:rPr lang="en-US" altLang="ko-KR" sz="2000" dirty="0"/>
-              <a:t>90</a:t>
-            </a:r>
-            <a:r>
-              <a:rPr lang="ko-KR" altLang="en-US" sz="2000" dirty="0"/>
-              <a:t>점 이상이면 </a:t>
-            </a:r>
-            <a:r>
-              <a:rPr lang="en-US" altLang="ko-KR" sz="2000" dirty="0"/>
-              <a:t>A, 80</a:t>
-            </a:r>
-            <a:r>
-              <a:rPr lang="ko-KR" altLang="en-US" sz="2000" dirty="0"/>
-              <a:t>점 </a:t>
-            </a:r>
-            <a:r>
-              <a:rPr lang="ko-KR" altLang="en-US" sz="2000" dirty="0" smtClean="0"/>
-              <a:t>이상이면 </a:t>
-            </a:r>
-            <a:r>
-              <a:rPr lang="en-US" altLang="ko-KR" sz="2000" dirty="0" smtClean="0"/>
-              <a:t>B</a:t>
-            </a:r>
-            <a:r>
-              <a:rPr lang="en-US" altLang="ko-KR" sz="2000" dirty="0"/>
-              <a:t>, 60</a:t>
-            </a:r>
-            <a:r>
-              <a:rPr lang="ko-KR" altLang="en-US" sz="2000" dirty="0"/>
-              <a:t>점 이상이면 </a:t>
-            </a:r>
-            <a:r>
-              <a:rPr lang="en-US" altLang="ko-KR" sz="2000" dirty="0"/>
-              <a:t>C, 40</a:t>
-            </a:r>
-            <a:r>
-              <a:rPr lang="ko-KR" altLang="en-US" sz="2000" dirty="0"/>
-              <a:t>점 이상이면 </a:t>
-            </a:r>
-            <a:r>
-              <a:rPr lang="en-US" altLang="ko-KR" sz="2000" dirty="0"/>
-              <a:t>D, 39</a:t>
-            </a:r>
-            <a:r>
-              <a:rPr lang="ko-KR" altLang="en-US" sz="2000" dirty="0"/>
-              <a:t>점 이하이면 </a:t>
-            </a:r>
-            <a:r>
-              <a:rPr lang="en-US" altLang="ko-KR" sz="2000" dirty="0"/>
-              <a:t>F</a:t>
-            </a:r>
-            <a:r>
-              <a:rPr lang="ko-KR" altLang="en-US" sz="2000" dirty="0"/>
-              <a:t>라고 출력하는 </a:t>
-            </a:r>
-            <a:r>
-              <a:rPr lang="ko-KR" altLang="en-US" sz="2000" dirty="0" smtClean="0"/>
-              <a:t>프로그램을 작성하라</a:t>
             </a:r>
             <a:r>
               <a:rPr lang="en-US" altLang="ko-KR" sz="2000" dirty="0"/>
               <a:t>. </a:t>
-            </a:r>
-            <a:r>
-              <a:rPr lang="ko-KR" altLang="en-US" sz="2000" dirty="0" smtClean="0"/>
-              <a:t>입력 받는 </a:t>
-            </a:r>
-            <a:r>
-              <a:rPr lang="ko-KR" altLang="en-US" sz="2000" dirty="0"/>
-              <a:t>점수가 </a:t>
-            </a:r>
-            <a:r>
-              <a:rPr lang="ko-KR" altLang="en-US" sz="2000" dirty="0" smtClean="0"/>
-              <a:t>음수일 </a:t>
-            </a:r>
-            <a:r>
-              <a:rPr lang="ko-KR" altLang="en-US" sz="2000" dirty="0" err="1" smtClean="0"/>
-              <a:t>때종료한다</a:t>
-            </a:r>
-            <a:r>
-              <a:rPr lang="en-US" altLang="ko-KR" sz="2000" dirty="0" smtClean="0"/>
-              <a:t>.</a:t>
             </a:r>
           </a:p>
           <a:p>
@@ -15324,12 +15030,101 @@
               <a:buAutoNum type="arabicPeriod"/>
             </a:pPr>
             <a:r>
-              <a:rPr lang="ko-KR" altLang="en-US" sz="2000" dirty="0" smtClean="0"/>
-              <a:t>임의의 </a:t>
-            </a:r>
-            <a:r>
-              <a:rPr lang="ko-KR" altLang="en-US" sz="2000" dirty="0"/>
-              <a:t>자연수 </a:t>
+              <a:rPr lang="ko-KR" altLang="en-US" sz="2000" dirty="0" err="1"/>
+              <a:t>반복문과</a:t>
+            </a:r>
+            <a:r>
+              <a:rPr lang="ko-KR" altLang="en-US" sz="2000" dirty="0"/>
+              <a:t> </a:t>
+            </a:r>
+            <a:r>
+              <a:rPr lang="ko-KR" altLang="en-US" sz="2000" dirty="0" err="1"/>
+              <a:t>조건문을</a:t>
+            </a:r>
+            <a:r>
+              <a:rPr lang="ko-KR" altLang="en-US" sz="2000" dirty="0"/>
+              <a:t> 사용해 점수를 계속 입력 받아 </a:t>
+            </a:r>
+            <a:r>
+              <a:rPr lang="en-US" altLang="ko-KR" sz="2000" dirty="0"/>
+              <a:t>90</a:t>
+            </a:r>
+            <a:r>
+              <a:rPr lang="ko-KR" altLang="en-US" sz="2000" dirty="0"/>
+              <a:t>점 이상이면 </a:t>
+            </a:r>
+            <a:r>
+              <a:rPr lang="en-US" altLang="ko-KR" sz="2000" dirty="0"/>
+              <a:t>A, 80</a:t>
+            </a:r>
+            <a:r>
+              <a:rPr lang="ko-KR" altLang="en-US" sz="2000" dirty="0"/>
+              <a:t>점 이상이면 </a:t>
+            </a:r>
+            <a:r>
+              <a:rPr lang="en-US" altLang="ko-KR" sz="2000" dirty="0"/>
+              <a:t>B, 60</a:t>
+            </a:r>
+            <a:r>
+              <a:rPr lang="ko-KR" altLang="en-US" sz="2000" dirty="0"/>
+              <a:t>점 이상이면 </a:t>
+            </a:r>
+            <a:r>
+              <a:rPr lang="en-US" altLang="ko-KR" sz="2000" dirty="0"/>
+              <a:t>C, 40</a:t>
+            </a:r>
+            <a:r>
+              <a:rPr lang="ko-KR" altLang="en-US" sz="2000" dirty="0"/>
+              <a:t>점 이상이면 </a:t>
+            </a:r>
+            <a:r>
+              <a:rPr lang="en-US" altLang="ko-KR" sz="2000" dirty="0"/>
+              <a:t>D, 39</a:t>
+            </a:r>
+            <a:r>
+              <a:rPr lang="ko-KR" altLang="en-US" sz="2000" dirty="0"/>
+              <a:t>점 이하이면 </a:t>
+            </a:r>
+            <a:r>
+              <a:rPr lang="en-US" altLang="ko-KR" sz="2000" dirty="0"/>
+              <a:t>F</a:t>
+            </a:r>
+            <a:r>
+              <a:rPr lang="ko-KR" altLang="en-US" sz="2000" dirty="0"/>
+              <a:t>라고 출력하는 프로그램을 작성하라</a:t>
+            </a:r>
+            <a:r>
+              <a:rPr lang="en-US" altLang="ko-KR" sz="2000" dirty="0"/>
+              <a:t>. </a:t>
+            </a:r>
+            <a:r>
+              <a:rPr lang="ko-KR" altLang="en-US" sz="2000" dirty="0"/>
+              <a:t>입력 받는 점수가 음수일 </a:t>
+            </a:r>
+            <a:r>
+              <a:rPr lang="ko-KR" altLang="en-US" sz="2000" dirty="0" err="1"/>
+              <a:t>때종료한다</a:t>
+            </a:r>
+            <a:r>
+              <a:rPr lang="en-US" altLang="ko-KR" sz="2000" dirty="0"/>
+              <a:t>.</a:t>
+            </a:r>
+          </a:p>
+          <a:p>
+            <a:pPr marL="457200" indent="-457200">
+              <a:buFont typeface="+mj-lt"/>
+              <a:buAutoNum type="arabicPeriod"/>
+            </a:pPr>
+            <a:endParaRPr lang="en-US" altLang="ko-KR" sz="2000" dirty="0"/>
+          </a:p>
+          <a:p>
+            <a:pPr marL="457200" indent="-457200">
+              <a:buFont typeface="+mj-lt"/>
+              <a:buAutoNum type="arabicPeriod"/>
+            </a:pPr>
+            <a:r>
+              <a:rPr lang="ko-KR" altLang="en-US" sz="2000" dirty="0"/>
+              <a:t>임의의 자연수 </a:t>
             </a:r>
             <a:r>
               <a:rPr lang="en-US" altLang="ko-KR" sz="2000" dirty="0"/>
@@ -15353,38 +15148,34 @@
             </a:r>
             <a:r>
               <a:rPr lang="ko-KR" altLang="en-US" sz="2000" dirty="0"/>
-              <a:t>까지의 모든 소수를 출력하는 </a:t>
-            </a:r>
-            <a:r>
-              <a:rPr lang="ko-KR" altLang="en-US" sz="2000" dirty="0" smtClean="0"/>
-              <a:t>프로그램</a:t>
-            </a:r>
-            <a:r>
-              <a:rPr lang="en-US" altLang="ko-KR" sz="2000" dirty="0" smtClean="0"/>
+              <a:t>까지의 모든 소수를 출력하는 프로그램</a:t>
+            </a:r>
+            <a:r>
+              <a:rPr lang="en-US" altLang="ko-KR" sz="2000" dirty="0"/>
               <a:t>. </a:t>
             </a:r>
             <a:r>
-              <a:rPr lang="ko-KR" altLang="en-US" sz="2000" dirty="0" smtClean="0"/>
+              <a:rPr lang="ko-KR" altLang="en-US" sz="2000" dirty="0"/>
               <a:t>소수는 </a:t>
             </a:r>
             <a:r>
-              <a:rPr lang="en-US" altLang="ko-KR" sz="2000" dirty="0" smtClean="0"/>
+              <a:rPr lang="en-US" altLang="ko-KR" sz="2000" dirty="0"/>
               <a:t>1</a:t>
             </a:r>
             <a:r>
-              <a:rPr lang="ko-KR" altLang="en-US" sz="2000" dirty="0" smtClean="0"/>
+              <a:rPr lang="ko-KR" altLang="en-US" sz="2000" dirty="0"/>
               <a:t>과 자기자신으로만 나누어 떨어지는 수</a:t>
             </a:r>
             <a:r>
-              <a:rPr lang="en-US" altLang="ko-KR" sz="2000" dirty="0" smtClean="0"/>
+              <a:rPr lang="en-US" altLang="ko-KR" sz="2000" dirty="0"/>
               <a:t>, </a:t>
             </a:r>
             <a:r>
-              <a:rPr lang="ko-KR" altLang="en-US" sz="2000" dirty="0" smtClean="0"/>
+              <a:rPr lang="ko-KR" altLang="en-US" sz="2000" dirty="0"/>
               <a:t>예 </a:t>
             </a:r>
             <a:r>
-              <a:rPr lang="en-US" altLang="ko-KR" sz="2000" dirty="0" smtClean="0"/>
+              <a:rPr lang="en-US" altLang="ko-KR" sz="2000" dirty="0"/>
               <a:t>5, 7</a:t>
             </a:r>
             <a:endParaRPr lang="ko-KR" altLang="en-US" sz="2000" dirty="0"/>
@@ -15414,10 +15205,9 @@
           <a:lstStyle/>
           <a:p>
             <a:r>
-              <a:rPr lang="ko-KR" altLang="en-US" dirty="0" smtClean="0"/>
+              <a:rPr lang="ko-KR" altLang="en-US" dirty="0"/>
               <a:t>연습문제</a:t>
             </a:r>
-            <a:endParaRPr lang="ko-KR" altLang="en-US" dirty="0"/>
           </a:p>
         </p:txBody>
       </p:sp>
@@ -15431,13 +15221,6 @@
   <p:clrMapOvr>
     <a:masterClrMapping/>
   </p:clrMapOvr>
-  <p:timing>
-    <p:tnLst>
-      <p:par>
-        <p:cTn id="1" dur="indefinite" restart="never" nodeType="tmRoot"/>
-      </p:par>
-    </p:tnLst>
-  </p:timing>
 </p:sld>
 </file>
 
@@ -15534,13 +15317,8 @@
             </a:r>
             <a:r>
               <a:rPr lang="ko-KR" altLang="en-US" sz="2000" dirty="0"/>
-              <a:t>중 하나를 </a:t>
-            </a:r>
-            <a:r>
-              <a:rPr lang="ko-KR" altLang="en-US" sz="2000" dirty="0" smtClean="0"/>
-              <a:t>출력하는 예제</a:t>
-            </a:r>
-            <a:endParaRPr lang="ko-KR" altLang="en-US" sz="2000" dirty="0"/>
+              <a:t>중 하나를 출력하는 예제</a:t>
+            </a:r>
           </a:p>
         </p:txBody>
       </p:sp>
@@ -15759,148 +15537,147 @@
           <a:lstStyle/>
           <a:p>
             <a:r>
-              <a:rPr lang="en-US" altLang="ko-KR" dirty="0" smtClean="0"/>
+              <a:rPr lang="en-US" altLang="ko-KR" dirty="0"/>
               <a:t># </a:t>
             </a:r>
             <a:r>
-              <a:rPr lang="ko-KR" altLang="en-US" dirty="0" smtClean="0"/>
+              <a:rPr lang="ko-KR" altLang="en-US" dirty="0"/>
               <a:t>사용자로부터 성적을 </a:t>
             </a:r>
             <a:r>
-              <a:rPr lang="ko-KR" altLang="en-US" dirty="0" err="1" smtClean="0"/>
+              <a:rPr lang="ko-KR" altLang="en-US" dirty="0" err="1"/>
               <a:t>입력받아</a:t>
             </a:r>
             <a:r>
-              <a:rPr lang="en-US" altLang="ko-KR" dirty="0" smtClean="0"/>
+              <a:rPr lang="en-US" altLang="ko-KR" dirty="0"/>
               <a:t>, </a:t>
             </a:r>
             <a:r>
-              <a:rPr lang="ko-KR" altLang="en-US" dirty="0" smtClean="0"/>
+              <a:rPr lang="ko-KR" altLang="en-US" dirty="0"/>
               <a:t>학점 부여하기</a:t>
             </a:r>
           </a:p>
           <a:p>
             <a:r>
-              <a:rPr lang="en-US" altLang="ko-KR" dirty="0" smtClean="0"/>
+              <a:rPr lang="en-US" altLang="ko-KR" dirty="0"/>
               <a:t>score = </a:t>
             </a:r>
             <a:r>
-              <a:rPr lang="en-US" altLang="ko-KR" dirty="0" err="1" smtClean="0"/>
+              <a:rPr lang="en-US" altLang="ko-KR" dirty="0" err="1"/>
               <a:t>int</a:t>
             </a:r>
             <a:r>
-              <a:rPr lang="en-US" altLang="ko-KR" dirty="0" smtClean="0"/>
+              <a:rPr lang="en-US" altLang="ko-KR" dirty="0"/>
               <a:t>(input("</a:t>
             </a:r>
             <a:r>
-              <a:rPr lang="ko-KR" altLang="en-US" dirty="0" smtClean="0"/>
+              <a:rPr lang="ko-KR" altLang="en-US" dirty="0"/>
               <a:t>성적을 입력하세요</a:t>
             </a:r>
             <a:r>
-              <a:rPr lang="en-US" altLang="ko-KR" dirty="0" smtClean="0"/>
+              <a:rPr lang="en-US" altLang="ko-KR" dirty="0"/>
               <a:t>: "))</a:t>
             </a:r>
           </a:p>
           <a:p>
-            <a:endParaRPr lang="en-US" altLang="ko-KR" dirty="0" smtClean="0"/>
-          </a:p>
-          <a:p>
-            <a:r>
-              <a:rPr lang="en-US" altLang="ko-KR" dirty="0" smtClean="0"/>
+            <a:endParaRPr lang="en-US" altLang="ko-KR" dirty="0"/>
+          </a:p>
+          <a:p>
+            <a:r>
+              <a:rPr lang="en-US" altLang="ko-KR" dirty="0"/>
               <a:t>if score &gt;= 90:</a:t>
             </a:r>
           </a:p>
           <a:p>
             <a:r>
-              <a:rPr lang="en-US" altLang="ko-KR" dirty="0" smtClean="0"/>
+              <a:rPr lang="en-US" altLang="ko-KR" dirty="0"/>
               <a:t>    grade = "A"</a:t>
             </a:r>
           </a:p>
           <a:p>
             <a:r>
-              <a:rPr lang="en-US" altLang="ko-KR" dirty="0" err="1" smtClean="0"/>
+              <a:rPr lang="en-US" altLang="ko-KR" dirty="0" err="1"/>
               <a:t>elif</a:t>
             </a:r>
             <a:r>
-              <a:rPr lang="en-US" altLang="ko-KR" dirty="0" smtClean="0"/>
+              <a:rPr lang="en-US" altLang="ko-KR" dirty="0"/>
               <a:t> score &gt;= 80:</a:t>
             </a:r>
           </a:p>
           <a:p>
             <a:r>
-              <a:rPr lang="en-US" altLang="ko-KR" dirty="0" smtClean="0"/>
+              <a:rPr lang="en-US" altLang="ko-KR" dirty="0"/>
               <a:t>    grade = "B"</a:t>
             </a:r>
           </a:p>
           <a:p>
             <a:r>
-              <a:rPr lang="en-US" altLang="ko-KR" dirty="0" err="1" smtClean="0"/>
+              <a:rPr lang="en-US" altLang="ko-KR" dirty="0" err="1"/>
               <a:t>elif</a:t>
             </a:r>
             <a:r>
-              <a:rPr lang="en-US" altLang="ko-KR" dirty="0" smtClean="0"/>
+              <a:rPr lang="en-US" altLang="ko-KR" dirty="0"/>
               <a:t> score &gt;= 70:</a:t>
             </a:r>
           </a:p>
           <a:p>
             <a:r>
-              <a:rPr lang="en-US" altLang="ko-KR" dirty="0" smtClean="0"/>
+              <a:rPr lang="en-US" altLang="ko-KR" dirty="0"/>
               <a:t>    grade = "C"</a:t>
             </a:r>
           </a:p>
           <a:p>
             <a:r>
-              <a:rPr lang="en-US" altLang="ko-KR" dirty="0" err="1" smtClean="0"/>
+              <a:rPr lang="en-US" altLang="ko-KR" dirty="0" err="1"/>
               <a:t>elif</a:t>
             </a:r>
             <a:r>
-              <a:rPr lang="en-US" altLang="ko-KR" dirty="0" smtClean="0"/>
+              <a:rPr lang="en-US" altLang="ko-KR" dirty="0"/>
               <a:t> score &gt;= 60:</a:t>
             </a:r>
           </a:p>
           <a:p>
             <a:r>
-              <a:rPr lang="en-US" altLang="ko-KR" dirty="0" smtClean="0"/>
+              <a:rPr lang="en-US" altLang="ko-KR" dirty="0"/>
               <a:t>    grade = "D"</a:t>
             </a:r>
           </a:p>
           <a:p>
             <a:r>
-              <a:rPr lang="en-US" altLang="ko-KR" dirty="0" smtClean="0"/>
+              <a:rPr lang="en-US" altLang="ko-KR" dirty="0"/>
               <a:t>else:</a:t>
             </a:r>
           </a:p>
           <a:p>
             <a:r>
-              <a:rPr lang="en-US" altLang="ko-KR" dirty="0" smtClean="0"/>
+              <a:rPr lang="en-US" altLang="ko-KR" dirty="0"/>
               <a:t>    grade = "F"</a:t>
             </a:r>
           </a:p>
           <a:p>
-            <a:endParaRPr lang="en-US" altLang="ko-KR" dirty="0" smtClean="0"/>
-          </a:p>
-          <a:p>
-            <a:r>
-              <a:rPr lang="en-US" altLang="ko-KR" dirty="0" smtClean="0"/>
+            <a:endParaRPr lang="en-US" altLang="ko-KR" dirty="0"/>
+          </a:p>
+          <a:p>
+            <a:r>
+              <a:rPr lang="en-US" altLang="ko-KR" dirty="0"/>
               <a:t>print(f"</a:t>
             </a:r>
             <a:r>
-              <a:rPr lang="ko-KR" altLang="en-US" dirty="0" smtClean="0"/>
+              <a:rPr lang="ko-KR" altLang="en-US" dirty="0"/>
               <a:t>당신의 학점은 </a:t>
             </a:r>
             <a:r>
-              <a:rPr lang="en-US" altLang="ko-KR" dirty="0" smtClean="0"/>
+              <a:rPr lang="en-US" altLang="ko-KR" dirty="0"/>
               <a:t>{grade}</a:t>
             </a:r>
             <a:r>
-              <a:rPr lang="ko-KR" altLang="en-US" dirty="0" smtClean="0"/>
+              <a:rPr lang="ko-KR" altLang="en-US" dirty="0"/>
               <a:t>입니다</a:t>
             </a:r>
             <a:r>
-              <a:rPr lang="en-US" altLang="ko-KR" dirty="0" smtClean="0"/>
+              <a:rPr lang="en-US" altLang="ko-KR" dirty="0"/>
               <a:t>.")</a:t>
             </a:r>
-            <a:endParaRPr lang="en-US" altLang="ko-KR" dirty="0"/>
           </a:p>
         </p:txBody>
       </p:sp>
@@ -15988,22 +15765,22 @@
               <a:t>if-else</a:t>
             </a:r>
             <a:r>
-              <a:rPr lang="ko-KR" altLang="en-US" sz="2000" dirty="0" smtClean="0"/>
+              <a:rPr lang="ko-KR" altLang="en-US" sz="2000" dirty="0"/>
               <a:t>문</a:t>
             </a:r>
-            <a:endParaRPr lang="en-US" altLang="ko-KR" sz="2000" dirty="0" smtClean="0"/>
-          </a:p>
-          <a:p>
-            <a:endParaRPr lang="en-US" altLang="ko-KR" sz="2000" dirty="0" smtClean="0"/>
-          </a:p>
-          <a:p>
             <a:endParaRPr lang="en-US" altLang="ko-KR" sz="2000" dirty="0"/>
           </a:p>
           <a:p>
             <a:endParaRPr lang="en-US" altLang="ko-KR" sz="2000" dirty="0"/>
           </a:p>
           <a:p>
-            <a:endParaRPr lang="en-US" altLang="ko-KR" sz="2000" dirty="0" smtClean="0"/>
+            <a:endParaRPr lang="en-US" altLang="ko-KR" sz="2000" dirty="0"/>
+          </a:p>
+          <a:p>
+            <a:endParaRPr lang="en-US" altLang="ko-KR" sz="2000" dirty="0"/>
+          </a:p>
+          <a:p>
+            <a:endParaRPr lang="en-US" altLang="ko-KR" sz="2000" dirty="0"/>
           </a:p>
           <a:p>
             <a:r>
@@ -16015,10 +15792,10 @@
               <a:t>if-else </a:t>
             </a:r>
             <a:r>
-              <a:rPr lang="ko-KR" altLang="en-US" sz="2000" dirty="0" smtClean="0"/>
+              <a:rPr lang="ko-KR" altLang="en-US" sz="2000" dirty="0"/>
               <a:t>문</a:t>
             </a:r>
-            <a:endParaRPr lang="en-US" altLang="ko-KR" sz="2000" dirty="0" smtClean="0"/>
+            <a:endParaRPr lang="en-US" altLang="ko-KR" sz="2000" dirty="0"/>
           </a:p>
           <a:p>
             <a:pPr lvl="1"/>
@@ -16469,12 +16246,12 @@
               <a:rPr lang="ko-KR" altLang="en-US" sz="2000" dirty="0"/>
               <a:t> 학점을 출력하는 프로그램</a:t>
             </a:r>
-            <a:endParaRPr lang="en-US" altLang="ko-KR" sz="2000" dirty="0" smtClean="0"/>
+            <a:endParaRPr lang="en-US" altLang="ko-KR" sz="2000" dirty="0"/>
           </a:p>
           <a:p>
             <a:pPr lvl="1"/>
             <a:r>
-              <a:rPr lang="en-US" altLang="ko-KR" sz="1600" dirty="0" smtClean="0"/>
+              <a:rPr lang="en-US" altLang="ko-KR" sz="1600" dirty="0"/>
               <a:t>score </a:t>
             </a:r>
             <a:r>
@@ -16503,18 +16280,10 @@
             </a:r>
             <a:r>
               <a:rPr lang="ko-KR" altLang="en-US" sz="1600" dirty="0"/>
-              <a:t>문을 중첩하여 </a:t>
-            </a:r>
-            <a:r>
-              <a:rPr lang="ko-KR" altLang="en-US" sz="1600" dirty="0" smtClean="0"/>
-              <a:t>사용하여 </a:t>
-            </a:r>
-            <a:r>
-              <a:rPr lang="ko-KR" altLang="en-US" sz="1600" dirty="0"/>
-              <a:t>간결한 코드로 구현하였습니다</a:t>
-            </a:r>
-            <a:r>
-              <a:rPr lang="en-US" altLang="ko-KR" sz="1600" dirty="0" smtClean="0"/>
+              <a:t>문을 중첩하여 사용하여 간결한 코드로 구현하였습니다</a:t>
+            </a:r>
+            <a:r>
+              <a:rPr lang="en-US" altLang="ko-KR" sz="1600" dirty="0"/>
               <a:t>.</a:t>
             </a:r>
           </a:p>
@@ -16524,7 +16293,7 @@
           </a:p>
           <a:p>
             <a:pPr lvl="1"/>
-            <a:endParaRPr lang="en-US" altLang="ko-KR" sz="1600" dirty="0" smtClean="0"/>
+            <a:endParaRPr lang="en-US" altLang="ko-KR" sz="1600" dirty="0"/>
           </a:p>
           <a:p>
             <a:pPr lvl="1"/>
@@ -16532,22 +16301,18 @@
           </a:p>
           <a:p>
             <a:pPr lvl="1"/>
-            <a:endParaRPr lang="en-US" altLang="ko-KR" sz="1600" dirty="0" smtClean="0"/>
+            <a:endParaRPr lang="en-US" altLang="ko-KR" sz="1600" dirty="0"/>
           </a:p>
           <a:p>
             <a:pPr lvl="1"/>
-            <a:endParaRPr lang="en-US" altLang="ko-KR" sz="1600" dirty="0" smtClean="0"/>
-          </a:p>
-          <a:p>
-            <a:r>
-              <a:rPr lang="ko-KR" altLang="en-US" sz="2000" dirty="0"/>
-              <a:t>입력한 문자열의 길이를 출력하는 </a:t>
-            </a:r>
-            <a:r>
-              <a:rPr lang="ko-KR" altLang="en-US" sz="2000" dirty="0" smtClean="0"/>
-              <a:t>프로그램</a:t>
-            </a:r>
-            <a:endParaRPr lang="en-US" altLang="ko-KR" sz="2000" dirty="0" smtClean="0"/>
+            <a:endParaRPr lang="en-US" altLang="ko-KR" sz="1600" dirty="0"/>
+          </a:p>
+          <a:p>
+            <a:r>
+              <a:rPr lang="ko-KR" altLang="en-US" sz="2000" dirty="0"/>
+              <a:t>입력한 문자열의 길이를 출력하는 프로그램</a:t>
+            </a:r>
+            <a:endParaRPr lang="en-US" altLang="ko-KR" sz="2000" dirty="0"/>
           </a:p>
           <a:p>
             <a:pPr lvl="1"/>
